--- a/Rapports&Delivrables/Architecture.pptx
+++ b/Rapports&Delivrables/Architecture.pptx
@@ -5,10 +5,12 @@
     <p:sldMasterId id="2147483648" r:id="rId1"/>
   </p:sldMasterIdLst>
   <p:notesMasterIdLst>
-    <p:notesMasterId r:id="rId3"/>
+    <p:notesMasterId r:id="rId5"/>
   </p:notesMasterIdLst>
   <p:sldIdLst>
     <p:sldId id="256" r:id="rId2"/>
+    <p:sldId id="257" r:id="rId3"/>
+    <p:sldId id="258" r:id="rId4"/>
   </p:sldIdLst>
   <p:sldSz cx="12192000" cy="6858000"/>
   <p:notesSz cx="6858000" cy="9144000"/>
@@ -107,6 +109,11 @@
       </a:defRPr>
     </a:lvl9pPr>
   </p:defaultTextStyle>
+  <p:extLst>
+    <p:ext uri="{EFAFB233-063F-42B5-8137-9DF3F51BA10A}">
+      <p15:sldGuideLst xmlns:p15="http://schemas.microsoft.com/office/powerpoint/2012/main"/>
+    </p:ext>
+  </p:extLst>
 </p:presentation>
 </file>
 
@@ -159,7 +166,7 @@
             </a:lvl1pPr>
           </a:lstStyle>
           <a:p>
-            <a:endParaRPr lang="fr-BE"/>
+            <a:endParaRPr lang="fr-BE" dirty="0"/>
           </a:p>
         </p:txBody>
       </p:sp>
@@ -192,9 +199,9 @@
           <a:p>
             <a:fld id="{2C979D86-B5D5-4B1B-89B8-DE4056FE02B3}" type="datetimeFigureOut">
               <a:rPr lang="fr-BE" smtClean="0"/>
-              <a:t>03-12-25</a:t>
+              <a:t>05-12-25</a:t>
             </a:fld>
-            <a:endParaRPr lang="fr-BE"/>
+            <a:endParaRPr lang="fr-BE" dirty="0"/>
           </a:p>
         </p:txBody>
       </p:sp>
@@ -227,7 +234,7 @@
           <a:bodyPr vert="horz" lIns="91440" tIns="45720" rIns="91440" bIns="45720" rtlCol="0" anchor="ctr"/>
           <a:lstStyle/>
           <a:p>
-            <a:endParaRPr lang="fr-BE"/>
+            <a:endParaRPr lang="fr-BE" dirty="0"/>
           </a:p>
         </p:txBody>
       </p:sp>
@@ -318,7 +325,7 @@
             </a:lvl1pPr>
           </a:lstStyle>
           <a:p>
-            <a:endParaRPr lang="fr-BE"/>
+            <a:endParaRPr lang="fr-BE" dirty="0"/>
           </a:p>
         </p:txBody>
       </p:sp>
@@ -353,7 +360,7 @@
               <a:rPr lang="fr-BE" smtClean="0"/>
               <a:t>‹N°›</a:t>
             </a:fld>
-            <a:endParaRPr lang="fr-BE"/>
+            <a:endParaRPr lang="fr-BE" dirty="0"/>
           </a:p>
         </p:txBody>
       </p:sp>
@@ -488,6 +495,13 @@
           </p:nvPr>
         </p:nvSpPr>
         <p:spPr/>
+        <p:txBody>
+          <a:bodyPr/>
+          <a:lstStyle/>
+          <a:p>
+            <a:endParaRPr lang="fr-BE" dirty="0"/>
+          </a:p>
+        </p:txBody>
       </p:sp>
       <p:sp>
         <p:nvSpPr>
@@ -527,7 +541,7 @@
               <a:rPr lang="fr-BE" smtClean="0"/>
               <a:t>1</a:t>
             </a:fld>
-            <a:endParaRPr lang="fr-BE"/>
+            <a:endParaRPr lang="fr-BE" dirty="0"/>
           </a:p>
         </p:txBody>
       </p:sp>
@@ -535,6 +549,121 @@
     <p:extLst>
       <p:ext uri="{BB962C8B-B14F-4D97-AF65-F5344CB8AC3E}">
         <p14:creationId xmlns:p14="http://schemas.microsoft.com/office/powerpoint/2010/main" val="533099021"/>
+      </p:ext>
+    </p:extLst>
+  </p:cSld>
+  <p:clrMapOvr>
+    <a:masterClrMapping/>
+  </p:clrMapOvr>
+</p:notes>
+</file>
+
+<file path=ppt/notesSlides/notesSlide2.xml><?xml version="1.0" encoding="utf-8"?>
+<p:notes xmlns:a="http://schemas.openxmlformats.org/drawingml/2006/main" xmlns:r="http://schemas.openxmlformats.org/officeDocument/2006/relationships" xmlns:p="http://schemas.openxmlformats.org/presentationml/2006/main">
+  <p:cSld>
+    <p:spTree>
+      <p:nvGrpSpPr>
+        <p:cNvPr id="1" name="">
+          <a:extLst>
+            <a:ext uri="{FF2B5EF4-FFF2-40B4-BE49-F238E27FC236}">
+              <a16:creationId xmlns:a16="http://schemas.microsoft.com/office/drawing/2014/main" id="{DE87F1A9-D517-3E8A-A042-F3AFC6D3F89B}"/>
+            </a:ext>
+          </a:extLst>
+        </p:cNvPr>
+        <p:cNvGrpSpPr/>
+        <p:nvPr/>
+      </p:nvGrpSpPr>
+      <p:grpSpPr>
+        <a:xfrm>
+          <a:off x="0" y="0"/>
+          <a:ext cx="0" cy="0"/>
+          <a:chOff x="0" y="0"/>
+          <a:chExt cx="0" cy="0"/>
+        </a:xfrm>
+      </p:grpSpPr>
+      <p:sp>
+        <p:nvSpPr>
+          <p:cNvPr id="2" name="Espace réservé de l'image des diapositives 1">
+            <a:extLst>
+              <a:ext uri="{FF2B5EF4-FFF2-40B4-BE49-F238E27FC236}">
+                <a16:creationId xmlns:a16="http://schemas.microsoft.com/office/drawing/2014/main" id="{03CBD1B3-0BB3-D800-F4E6-636D928590B9}"/>
+              </a:ext>
+            </a:extLst>
+          </p:cNvPr>
+          <p:cNvSpPr>
+            <a:spLocks noGrp="1" noRot="1" noChangeAspect="1"/>
+          </p:cNvSpPr>
+          <p:nvPr>
+            <p:ph type="sldImg"/>
+          </p:nvPr>
+        </p:nvSpPr>
+        <p:spPr/>
+        <p:txBody>
+          <a:bodyPr/>
+          <a:lstStyle/>
+          <a:p>
+            <a:endParaRPr lang="fr-BE" dirty="0"/>
+          </a:p>
+        </p:txBody>
+      </p:sp>
+      <p:sp>
+        <p:nvSpPr>
+          <p:cNvPr id="3" name="Espace réservé des notes 2">
+            <a:extLst>
+              <a:ext uri="{FF2B5EF4-FFF2-40B4-BE49-F238E27FC236}">
+                <a16:creationId xmlns:a16="http://schemas.microsoft.com/office/drawing/2014/main" id="{464EC4AB-FD03-C3B3-F186-CCA10CDD8BDF}"/>
+              </a:ext>
+            </a:extLst>
+          </p:cNvPr>
+          <p:cNvSpPr>
+            <a:spLocks noGrp="1"/>
+          </p:cNvSpPr>
+          <p:nvPr>
+            <p:ph type="body" idx="1"/>
+          </p:nvPr>
+        </p:nvSpPr>
+        <p:spPr/>
+        <p:txBody>
+          <a:bodyPr/>
+          <a:lstStyle/>
+          <a:p>
+            <a:endParaRPr lang="fr-BE" dirty="0"/>
+          </a:p>
+        </p:txBody>
+      </p:sp>
+      <p:sp>
+        <p:nvSpPr>
+          <p:cNvPr id="4" name="Espace réservé du numéro de diapositive 3">
+            <a:extLst>
+              <a:ext uri="{FF2B5EF4-FFF2-40B4-BE49-F238E27FC236}">
+                <a16:creationId xmlns:a16="http://schemas.microsoft.com/office/drawing/2014/main" id="{1A6F995D-480F-2022-0858-15CD22549085}"/>
+              </a:ext>
+            </a:extLst>
+          </p:cNvPr>
+          <p:cNvSpPr>
+            <a:spLocks noGrp="1"/>
+          </p:cNvSpPr>
+          <p:nvPr>
+            <p:ph type="sldNum" sz="quarter" idx="5"/>
+          </p:nvPr>
+        </p:nvSpPr>
+        <p:spPr/>
+        <p:txBody>
+          <a:bodyPr/>
+          <a:lstStyle/>
+          <a:p>
+            <a:fld id="{E2141FA1-1BB6-42B9-ADDA-1738FC4B415E}" type="slidenum">
+              <a:rPr lang="fr-BE" smtClean="0"/>
+              <a:t>2</a:t>
+            </a:fld>
+            <a:endParaRPr lang="fr-BE" dirty="0"/>
+          </a:p>
+        </p:txBody>
+      </p:sp>
+    </p:spTree>
+    <p:extLst>
+      <p:ext uri="{BB962C8B-B14F-4D97-AF65-F5344CB8AC3E}">
+        <p14:creationId xmlns:p14="http://schemas.microsoft.com/office/powerpoint/2010/main" val="4090466317"/>
       </p:ext>
     </p:extLst>
   </p:cSld>
@@ -693,9 +822,9 @@
           <a:p>
             <a:fld id="{25ACA716-68D2-4052-AE15-D9A5053B90EC}" type="datetimeFigureOut">
               <a:rPr lang="fr-BE" smtClean="0"/>
-              <a:t>03-12-25</a:t>
+              <a:t>05-12-25</a:t>
             </a:fld>
-            <a:endParaRPr lang="fr-BE"/>
+            <a:endParaRPr lang="fr-BE" dirty="0"/>
           </a:p>
         </p:txBody>
       </p:sp>
@@ -720,7 +849,7 @@
           <a:bodyPr/>
           <a:lstStyle/>
           <a:p>
-            <a:endParaRPr lang="fr-BE"/>
+            <a:endParaRPr lang="fr-BE" dirty="0"/>
           </a:p>
         </p:txBody>
       </p:sp>
@@ -749,7 +878,7 @@
               <a:rPr lang="fr-BE" smtClean="0"/>
               <a:t>‹N°›</a:t>
             </a:fld>
-            <a:endParaRPr lang="fr-BE"/>
+            <a:endParaRPr lang="fr-BE" dirty="0"/>
           </a:p>
         </p:txBody>
       </p:sp>
@@ -893,9 +1022,9 @@
           <a:p>
             <a:fld id="{25ACA716-68D2-4052-AE15-D9A5053B90EC}" type="datetimeFigureOut">
               <a:rPr lang="fr-BE" smtClean="0"/>
-              <a:t>03-12-25</a:t>
+              <a:t>05-12-25</a:t>
             </a:fld>
-            <a:endParaRPr lang="fr-BE"/>
+            <a:endParaRPr lang="fr-BE" dirty="0"/>
           </a:p>
         </p:txBody>
       </p:sp>
@@ -920,7 +1049,7 @@
           <a:bodyPr/>
           <a:lstStyle/>
           <a:p>
-            <a:endParaRPr lang="fr-BE"/>
+            <a:endParaRPr lang="fr-BE" dirty="0"/>
           </a:p>
         </p:txBody>
       </p:sp>
@@ -949,7 +1078,7 @@
               <a:rPr lang="fr-BE" smtClean="0"/>
               <a:t>‹N°›</a:t>
             </a:fld>
-            <a:endParaRPr lang="fr-BE"/>
+            <a:endParaRPr lang="fr-BE" dirty="0"/>
           </a:p>
         </p:txBody>
       </p:sp>
@@ -1103,9 +1232,9 @@
           <a:p>
             <a:fld id="{25ACA716-68D2-4052-AE15-D9A5053B90EC}" type="datetimeFigureOut">
               <a:rPr lang="fr-BE" smtClean="0"/>
-              <a:t>03-12-25</a:t>
+              <a:t>05-12-25</a:t>
             </a:fld>
-            <a:endParaRPr lang="fr-BE"/>
+            <a:endParaRPr lang="fr-BE" dirty="0"/>
           </a:p>
         </p:txBody>
       </p:sp>
@@ -1130,7 +1259,7 @@
           <a:bodyPr/>
           <a:lstStyle/>
           <a:p>
-            <a:endParaRPr lang="fr-BE"/>
+            <a:endParaRPr lang="fr-BE" dirty="0"/>
           </a:p>
         </p:txBody>
       </p:sp>
@@ -1159,7 +1288,7 @@
               <a:rPr lang="fr-BE" smtClean="0"/>
               <a:t>‹N°›</a:t>
             </a:fld>
-            <a:endParaRPr lang="fr-BE"/>
+            <a:endParaRPr lang="fr-BE" dirty="0"/>
           </a:p>
         </p:txBody>
       </p:sp>
@@ -1303,9 +1432,9 @@
           <a:p>
             <a:fld id="{25ACA716-68D2-4052-AE15-D9A5053B90EC}" type="datetimeFigureOut">
               <a:rPr lang="fr-BE" smtClean="0"/>
-              <a:t>03-12-25</a:t>
+              <a:t>05-12-25</a:t>
             </a:fld>
-            <a:endParaRPr lang="fr-BE"/>
+            <a:endParaRPr lang="fr-BE" dirty="0"/>
           </a:p>
         </p:txBody>
       </p:sp>
@@ -1330,7 +1459,7 @@
           <a:bodyPr/>
           <a:lstStyle/>
           <a:p>
-            <a:endParaRPr lang="fr-BE"/>
+            <a:endParaRPr lang="fr-BE" dirty="0"/>
           </a:p>
         </p:txBody>
       </p:sp>
@@ -1359,7 +1488,7 @@
               <a:rPr lang="fr-BE" smtClean="0"/>
               <a:t>‹N°›</a:t>
             </a:fld>
-            <a:endParaRPr lang="fr-BE"/>
+            <a:endParaRPr lang="fr-BE" dirty="0"/>
           </a:p>
         </p:txBody>
       </p:sp>
@@ -1579,9 +1708,9 @@
           <a:p>
             <a:fld id="{25ACA716-68D2-4052-AE15-D9A5053B90EC}" type="datetimeFigureOut">
               <a:rPr lang="fr-BE" smtClean="0"/>
-              <a:t>03-12-25</a:t>
+              <a:t>05-12-25</a:t>
             </a:fld>
-            <a:endParaRPr lang="fr-BE"/>
+            <a:endParaRPr lang="fr-BE" dirty="0"/>
           </a:p>
         </p:txBody>
       </p:sp>
@@ -1606,7 +1735,7 @@
           <a:bodyPr/>
           <a:lstStyle/>
           <a:p>
-            <a:endParaRPr lang="fr-BE"/>
+            <a:endParaRPr lang="fr-BE" dirty="0"/>
           </a:p>
         </p:txBody>
       </p:sp>
@@ -1635,7 +1764,7 @@
               <a:rPr lang="fr-BE" smtClean="0"/>
               <a:t>‹N°›</a:t>
             </a:fld>
-            <a:endParaRPr lang="fr-BE"/>
+            <a:endParaRPr lang="fr-BE" dirty="0"/>
           </a:p>
         </p:txBody>
       </p:sp>
@@ -1847,9 +1976,9 @@
           <a:p>
             <a:fld id="{25ACA716-68D2-4052-AE15-D9A5053B90EC}" type="datetimeFigureOut">
               <a:rPr lang="fr-BE" smtClean="0"/>
-              <a:t>03-12-25</a:t>
+              <a:t>05-12-25</a:t>
             </a:fld>
-            <a:endParaRPr lang="fr-BE"/>
+            <a:endParaRPr lang="fr-BE" dirty="0"/>
           </a:p>
         </p:txBody>
       </p:sp>
@@ -1874,7 +2003,7 @@
           <a:bodyPr/>
           <a:lstStyle/>
           <a:p>
-            <a:endParaRPr lang="fr-BE"/>
+            <a:endParaRPr lang="fr-BE" dirty="0"/>
           </a:p>
         </p:txBody>
       </p:sp>
@@ -1903,7 +2032,7 @@
               <a:rPr lang="fr-BE" smtClean="0"/>
               <a:t>‹N°›</a:t>
             </a:fld>
-            <a:endParaRPr lang="fr-BE"/>
+            <a:endParaRPr lang="fr-BE" dirty="0"/>
           </a:p>
         </p:txBody>
       </p:sp>
@@ -2262,9 +2391,9 @@
           <a:p>
             <a:fld id="{25ACA716-68D2-4052-AE15-D9A5053B90EC}" type="datetimeFigureOut">
               <a:rPr lang="fr-BE" smtClean="0"/>
-              <a:t>03-12-25</a:t>
+              <a:t>05-12-25</a:t>
             </a:fld>
-            <a:endParaRPr lang="fr-BE"/>
+            <a:endParaRPr lang="fr-BE" dirty="0"/>
           </a:p>
         </p:txBody>
       </p:sp>
@@ -2289,7 +2418,7 @@
           <a:bodyPr/>
           <a:lstStyle/>
           <a:p>
-            <a:endParaRPr lang="fr-BE"/>
+            <a:endParaRPr lang="fr-BE" dirty="0"/>
           </a:p>
         </p:txBody>
       </p:sp>
@@ -2318,7 +2447,7 @@
               <a:rPr lang="fr-BE" smtClean="0"/>
               <a:t>‹N°›</a:t>
             </a:fld>
-            <a:endParaRPr lang="fr-BE"/>
+            <a:endParaRPr lang="fr-BE" dirty="0"/>
           </a:p>
         </p:txBody>
       </p:sp>
@@ -2404,9 +2533,9 @@
           <a:p>
             <a:fld id="{25ACA716-68D2-4052-AE15-D9A5053B90EC}" type="datetimeFigureOut">
               <a:rPr lang="fr-BE" smtClean="0"/>
-              <a:t>03-12-25</a:t>
+              <a:t>05-12-25</a:t>
             </a:fld>
-            <a:endParaRPr lang="fr-BE"/>
+            <a:endParaRPr lang="fr-BE" dirty="0"/>
           </a:p>
         </p:txBody>
       </p:sp>
@@ -2431,7 +2560,7 @@
           <a:bodyPr/>
           <a:lstStyle/>
           <a:p>
-            <a:endParaRPr lang="fr-BE"/>
+            <a:endParaRPr lang="fr-BE" dirty="0"/>
           </a:p>
         </p:txBody>
       </p:sp>
@@ -2460,7 +2589,7 @@
               <a:rPr lang="fr-BE" smtClean="0"/>
               <a:t>‹N°›</a:t>
             </a:fld>
-            <a:endParaRPr lang="fr-BE"/>
+            <a:endParaRPr lang="fr-BE" dirty="0"/>
           </a:p>
         </p:txBody>
       </p:sp>
@@ -2517,9 +2646,9 @@
           <a:p>
             <a:fld id="{25ACA716-68D2-4052-AE15-D9A5053B90EC}" type="datetimeFigureOut">
               <a:rPr lang="fr-BE" smtClean="0"/>
-              <a:t>03-12-25</a:t>
+              <a:t>05-12-25</a:t>
             </a:fld>
-            <a:endParaRPr lang="fr-BE"/>
+            <a:endParaRPr lang="fr-BE" dirty="0"/>
           </a:p>
         </p:txBody>
       </p:sp>
@@ -2544,7 +2673,7 @@
           <a:bodyPr/>
           <a:lstStyle/>
           <a:p>
-            <a:endParaRPr lang="fr-BE"/>
+            <a:endParaRPr lang="fr-BE" dirty="0"/>
           </a:p>
         </p:txBody>
       </p:sp>
@@ -2573,7 +2702,7 @@
               <a:rPr lang="fr-BE" smtClean="0"/>
               <a:t>‹N°›</a:t>
             </a:fld>
-            <a:endParaRPr lang="fr-BE"/>
+            <a:endParaRPr lang="fr-BE" dirty="0"/>
           </a:p>
         </p:txBody>
       </p:sp>
@@ -2830,9 +2959,9 @@
           <a:p>
             <a:fld id="{25ACA716-68D2-4052-AE15-D9A5053B90EC}" type="datetimeFigureOut">
               <a:rPr lang="fr-BE" smtClean="0"/>
-              <a:t>03-12-25</a:t>
+              <a:t>05-12-25</a:t>
             </a:fld>
-            <a:endParaRPr lang="fr-BE"/>
+            <a:endParaRPr lang="fr-BE" dirty="0"/>
           </a:p>
         </p:txBody>
       </p:sp>
@@ -2857,7 +2986,7 @@
           <a:bodyPr/>
           <a:lstStyle/>
           <a:p>
-            <a:endParaRPr lang="fr-BE"/>
+            <a:endParaRPr lang="fr-BE" dirty="0"/>
           </a:p>
         </p:txBody>
       </p:sp>
@@ -2886,7 +3015,7 @@
               <a:rPr lang="fr-BE" smtClean="0"/>
               <a:t>‹N°›</a:t>
             </a:fld>
-            <a:endParaRPr lang="fr-BE"/>
+            <a:endParaRPr lang="fr-BE" dirty="0"/>
           </a:p>
         </p:txBody>
       </p:sp>
@@ -3021,7 +3150,7 @@
             </a:lvl9pPr>
           </a:lstStyle>
           <a:p>
-            <a:endParaRPr lang="fr-BE"/>
+            <a:endParaRPr lang="fr-BE" dirty="0"/>
           </a:p>
         </p:txBody>
       </p:sp>
@@ -3119,9 +3248,9 @@
           <a:p>
             <a:fld id="{25ACA716-68D2-4052-AE15-D9A5053B90EC}" type="datetimeFigureOut">
               <a:rPr lang="fr-BE" smtClean="0"/>
-              <a:t>03-12-25</a:t>
+              <a:t>05-12-25</a:t>
             </a:fld>
-            <a:endParaRPr lang="fr-BE"/>
+            <a:endParaRPr lang="fr-BE" dirty="0"/>
           </a:p>
         </p:txBody>
       </p:sp>
@@ -3146,7 +3275,7 @@
           <a:bodyPr/>
           <a:lstStyle/>
           <a:p>
-            <a:endParaRPr lang="fr-BE"/>
+            <a:endParaRPr lang="fr-BE" dirty="0"/>
           </a:p>
         </p:txBody>
       </p:sp>
@@ -3175,7 +3304,7 @@
               <a:rPr lang="fr-BE" smtClean="0"/>
               <a:t>‹N°›</a:t>
             </a:fld>
-            <a:endParaRPr lang="fr-BE"/>
+            <a:endParaRPr lang="fr-BE" dirty="0"/>
           </a:p>
         </p:txBody>
       </p:sp>
@@ -3362,9 +3491,9 @@
           <a:p>
             <a:fld id="{25ACA716-68D2-4052-AE15-D9A5053B90EC}" type="datetimeFigureOut">
               <a:rPr lang="fr-BE" smtClean="0"/>
-              <a:t>03-12-25</a:t>
+              <a:t>05-12-25</a:t>
             </a:fld>
-            <a:endParaRPr lang="fr-BE"/>
+            <a:endParaRPr lang="fr-BE" dirty="0"/>
           </a:p>
         </p:txBody>
       </p:sp>
@@ -3407,7 +3536,7 @@
             </a:lvl1pPr>
           </a:lstStyle>
           <a:p>
-            <a:endParaRPr lang="fr-BE"/>
+            <a:endParaRPr lang="fr-BE" dirty="0"/>
           </a:p>
         </p:txBody>
       </p:sp>
@@ -3454,7 +3583,7 @@
               <a:rPr lang="fr-BE" smtClean="0"/>
               <a:t>‹N°›</a:t>
             </a:fld>
-            <a:endParaRPr lang="fr-BE"/>
+            <a:endParaRPr lang="fr-BE" dirty="0"/>
           </a:p>
         </p:txBody>
       </p:sp>
@@ -3906,12 +4035,8 @@
           <a:p>
             <a:pPr algn="ctr"/>
             <a:r>
-              <a:rPr lang="fr-BE" dirty="0" err="1"/>
-              <a:t>Mediatr</a:t>
-            </a:r>
-            <a:r>
               <a:rPr lang="fr-BE" dirty="0"/>
-              <a:t> , CQRS Pattern </a:t>
+              <a:t>Mediatr , CQRS Pattern </a:t>
             </a:r>
           </a:p>
         </p:txBody>
@@ -3972,20 +4097,12 @@
               </a:rPr>
             </a:br>
             <a:r>
-              <a:rPr lang="fr-BE" sz="1200" dirty="0" err="1">
-                <a:solidFill>
-                  <a:schemeClr val="dk1"/>
-                </a:solidFill>
-              </a:rPr>
-              <a:t>Domain</a:t>
-            </a:r>
-            <a:r>
               <a:rPr lang="fr-BE" sz="1200" dirty="0">
                 <a:solidFill>
                   <a:schemeClr val="dk1"/>
                 </a:solidFill>
               </a:rPr>
-              <a:t> Driven</a:t>
+              <a:t>Mediator Driven</a:t>
             </a:r>
             <a:endParaRPr lang="fr-BE" dirty="0">
               <a:solidFill>
@@ -4036,12 +4153,8 @@
           <a:p>
             <a:pPr algn="ctr"/>
             <a:r>
-              <a:rPr lang="fr-BE" dirty="0" err="1"/>
-              <a:t>External</a:t>
-            </a:r>
-            <a:r>
               <a:rPr lang="fr-BE" dirty="0"/>
-              <a:t> Interfaces</a:t>
+              <a:t>External Interfaces</a:t>
             </a:r>
             <a:endParaRPr lang="fr-BE" dirty="0">
               <a:solidFill>
@@ -4092,60 +4205,8 @@
           <a:p>
             <a:pPr algn="ctr"/>
             <a:r>
-              <a:rPr lang="fr-BE" dirty="0" err="1"/>
+              <a:rPr lang="fr-BE" dirty="0"/>
               <a:t>Presentation</a:t>
-            </a:r>
-            <a:endParaRPr lang="fr-BE" dirty="0"/>
-          </a:p>
-        </p:txBody>
-      </p:sp>
-      <p:sp>
-        <p:nvSpPr>
-          <p:cNvPr id="17" name="Rectangle 16">
-            <a:extLst>
-              <a:ext uri="{FF2B5EF4-FFF2-40B4-BE49-F238E27FC236}">
-                <a16:creationId xmlns:a16="http://schemas.microsoft.com/office/drawing/2014/main" id="{ABA1DC7D-F140-2FCB-CE00-3472D3930A32}"/>
-              </a:ext>
-            </a:extLst>
-          </p:cNvPr>
-          <p:cNvSpPr/>
-          <p:nvPr/>
-        </p:nvSpPr>
-        <p:spPr>
-          <a:xfrm>
-            <a:off x="9827341" y="648929"/>
-            <a:ext cx="948813" cy="4161507"/>
-          </a:xfrm>
-          <a:prstGeom prst="rect">
-            <a:avLst/>
-          </a:prstGeom>
-        </p:spPr>
-        <p:style>
-          <a:lnRef idx="2">
-            <a:schemeClr val="accent4"/>
-          </a:lnRef>
-          <a:fillRef idx="1">
-            <a:schemeClr val="lt1"/>
-          </a:fillRef>
-          <a:effectRef idx="0">
-            <a:schemeClr val="accent4"/>
-          </a:effectRef>
-          <a:fontRef idx="minor">
-            <a:schemeClr val="dk1"/>
-          </a:fontRef>
-        </p:style>
-        <p:txBody>
-          <a:bodyPr rtlCol="0" anchor="ctr"/>
-          <a:lstStyle/>
-          <a:p>
-            <a:pPr algn="ctr"/>
-            <a:r>
-              <a:rPr lang="fr-BE" dirty="0">
-                <a:solidFill>
-                  <a:schemeClr val="dk1"/>
-                </a:solidFill>
-              </a:rPr>
-              <a:t>Cross</a:t>
             </a:r>
           </a:p>
         </p:txBody>
@@ -4362,18 +4423,13 @@
           <a:p>
             <a:pPr algn="ctr"/>
             <a:r>
-              <a:rPr lang="fr-BE" dirty="0" err="1">
+              <a:rPr lang="fr-BE" dirty="0">
                 <a:solidFill>
                   <a:schemeClr val="dk1"/>
                 </a:solidFill>
               </a:rPr>
               <a:t>Database</a:t>
             </a:r>
-            <a:endParaRPr lang="fr-BE" dirty="0">
-              <a:solidFill>
-                <a:schemeClr val="dk1"/>
-              </a:solidFill>
-            </a:endParaRPr>
           </a:p>
         </p:txBody>
       </p:sp>
@@ -4512,7 +4568,7 @@
           <a:p>
             <a:pPr algn="ctr"/>
             <a:r>
-              <a:rPr lang="fr-BE" dirty="0" err="1"/>
+              <a:rPr lang="fr-BE" dirty="0"/>
               <a:t>Persistence</a:t>
             </a:r>
             <a:endParaRPr lang="fr-BE" dirty="0">
@@ -4845,6 +4901,3952 @@
     <p:extLst>
       <p:ext uri="{BB962C8B-B14F-4D97-AF65-F5344CB8AC3E}">
         <p14:creationId xmlns:p14="http://schemas.microsoft.com/office/powerpoint/2010/main" val="3519895297"/>
+      </p:ext>
+    </p:extLst>
+  </p:cSld>
+  <p:clrMapOvr>
+    <a:masterClrMapping/>
+  </p:clrMapOvr>
+</p:sld>
+</file>
+
+<file path=ppt/slides/slide2.xml><?xml version="1.0" encoding="utf-8"?>
+<p:sld xmlns:a="http://schemas.openxmlformats.org/drawingml/2006/main" xmlns:r="http://schemas.openxmlformats.org/officeDocument/2006/relationships" xmlns:p="http://schemas.openxmlformats.org/presentationml/2006/main">
+  <p:cSld>
+    <p:spTree>
+      <p:nvGrpSpPr>
+        <p:cNvPr id="1" name="">
+          <a:extLst>
+            <a:ext uri="{FF2B5EF4-FFF2-40B4-BE49-F238E27FC236}">
+              <a16:creationId xmlns:a16="http://schemas.microsoft.com/office/drawing/2014/main" id="{D3EC9970-8FD3-7D6A-2379-32E1B577802E}"/>
+            </a:ext>
+          </a:extLst>
+        </p:cNvPr>
+        <p:cNvGrpSpPr/>
+        <p:nvPr/>
+      </p:nvGrpSpPr>
+      <p:grpSpPr>
+        <a:xfrm>
+          <a:off x="0" y="0"/>
+          <a:ext cx="0" cy="0"/>
+          <a:chOff x="0" y="0"/>
+          <a:chExt cx="0" cy="0"/>
+        </a:xfrm>
+      </p:grpSpPr>
+      <p:grpSp>
+        <p:nvGrpSpPr>
+          <p:cNvPr id="1078" name="Groupe 1077">
+            <a:extLst>
+              <a:ext uri="{FF2B5EF4-FFF2-40B4-BE49-F238E27FC236}">
+                <a16:creationId xmlns:a16="http://schemas.microsoft.com/office/drawing/2014/main" id="{E8FA7D9E-748F-7647-22C5-C7E12B2D6D12}"/>
+              </a:ext>
+            </a:extLst>
+          </p:cNvPr>
+          <p:cNvGrpSpPr/>
+          <p:nvPr/>
+        </p:nvGrpSpPr>
+        <p:grpSpPr>
+          <a:xfrm>
+            <a:off x="49161" y="95032"/>
+            <a:ext cx="12093677" cy="6667935"/>
+            <a:chOff x="98323" y="65011"/>
+            <a:chExt cx="12093677" cy="6667935"/>
+          </a:xfrm>
+        </p:grpSpPr>
+        <p:sp>
+          <p:nvSpPr>
+            <p:cNvPr id="60" name="Rectangle 59">
+              <a:extLst>
+                <a:ext uri="{FF2B5EF4-FFF2-40B4-BE49-F238E27FC236}">
+                  <a16:creationId xmlns:a16="http://schemas.microsoft.com/office/drawing/2014/main" id="{6DB3345E-FED3-F4DE-F289-D9FE572B4009}"/>
+                </a:ext>
+              </a:extLst>
+            </p:cNvPr>
+            <p:cNvSpPr/>
+            <p:nvPr/>
+          </p:nvSpPr>
+          <p:spPr>
+            <a:xfrm>
+              <a:off x="98323" y="4829015"/>
+              <a:ext cx="12093677" cy="1903931"/>
+            </a:xfrm>
+            <a:prstGeom prst="rect">
+              <a:avLst/>
+            </a:prstGeom>
+            <a:solidFill>
+              <a:schemeClr val="bg2">
+                <a:lumMod val="75000"/>
+              </a:schemeClr>
+            </a:solidFill>
+          </p:spPr>
+          <p:style>
+            <a:lnRef idx="2">
+              <a:schemeClr val="accent2"/>
+            </a:lnRef>
+            <a:fillRef idx="1">
+              <a:schemeClr val="lt1"/>
+            </a:fillRef>
+            <a:effectRef idx="0">
+              <a:schemeClr val="accent2"/>
+            </a:effectRef>
+            <a:fontRef idx="minor">
+              <a:schemeClr val="dk1"/>
+            </a:fontRef>
+          </p:style>
+          <p:txBody>
+            <a:bodyPr rtlCol="0" anchor="ctr"/>
+            <a:lstStyle/>
+            <a:p>
+              <a:pPr algn="ctr"/>
+              <a:r>
+                <a:rPr lang="fr-BE" dirty="0">
+                  <a:solidFill>
+                    <a:schemeClr val="dk1"/>
+                  </a:solidFill>
+                </a:rPr>
+                <a:t>FlexiTask.Infrastructure</a:t>
+              </a:r>
+            </a:p>
+            <a:p>
+              <a:pPr algn="ctr"/>
+              <a:endParaRPr lang="fr-BE" dirty="0"/>
+            </a:p>
+            <a:p>
+              <a:pPr algn="ctr"/>
+              <a:endParaRPr lang="fr-BE" dirty="0"/>
+            </a:p>
+            <a:p>
+              <a:pPr algn="ctr"/>
+              <a:endParaRPr lang="fr-BE" dirty="0"/>
+            </a:p>
+            <a:p>
+              <a:pPr algn="ctr"/>
+              <a:endParaRPr lang="fr-BE" dirty="0"/>
+            </a:p>
+            <a:p>
+              <a:pPr algn="ctr"/>
+              <a:endParaRPr lang="fr-BE" dirty="0">
+                <a:solidFill>
+                  <a:schemeClr val="dk1"/>
+                </a:solidFill>
+              </a:endParaRPr>
+            </a:p>
+            <a:p>
+              <a:pPr algn="ctr"/>
+              <a:endParaRPr lang="fr-BE" dirty="0">
+                <a:solidFill>
+                  <a:schemeClr val="dk1"/>
+                </a:solidFill>
+              </a:endParaRPr>
+            </a:p>
+          </p:txBody>
+        </p:sp>
+        <p:sp>
+          <p:nvSpPr>
+            <p:cNvPr id="1062" name="Rectangle 1061">
+              <a:extLst>
+                <a:ext uri="{FF2B5EF4-FFF2-40B4-BE49-F238E27FC236}">
+                  <a16:creationId xmlns:a16="http://schemas.microsoft.com/office/drawing/2014/main" id="{3814AB71-EE31-3DF7-22BC-59BAE0C930B3}"/>
+                </a:ext>
+              </a:extLst>
+            </p:cNvPr>
+            <p:cNvSpPr/>
+            <p:nvPr/>
+          </p:nvSpPr>
+          <p:spPr>
+            <a:xfrm>
+              <a:off x="206965" y="5166353"/>
+              <a:ext cx="7252538" cy="1513087"/>
+            </a:xfrm>
+            <a:prstGeom prst="rect">
+              <a:avLst/>
+            </a:prstGeom>
+            <a:solidFill>
+              <a:schemeClr val="accent1">
+                <a:lumMod val="20000"/>
+                <a:lumOff val="80000"/>
+              </a:schemeClr>
+            </a:solidFill>
+          </p:spPr>
+          <p:style>
+            <a:lnRef idx="2">
+              <a:schemeClr val="dk1"/>
+            </a:lnRef>
+            <a:fillRef idx="1">
+              <a:schemeClr val="lt1"/>
+            </a:fillRef>
+            <a:effectRef idx="0">
+              <a:schemeClr val="dk1"/>
+            </a:effectRef>
+            <a:fontRef idx="minor">
+              <a:schemeClr val="dk1"/>
+            </a:fontRef>
+          </p:style>
+          <p:txBody>
+            <a:bodyPr rtlCol="0" anchor="ctr"/>
+            <a:lstStyle/>
+            <a:p>
+              <a:pPr algn="ctr"/>
+              <a:r>
+                <a:rPr lang="fr-BE" dirty="0"/>
+                <a:t>Infrastructure.Data</a:t>
+              </a:r>
+            </a:p>
+            <a:p>
+              <a:pPr algn="ctr"/>
+              <a:endParaRPr lang="fr-BE" dirty="0"/>
+            </a:p>
+            <a:p>
+              <a:pPr algn="ctr"/>
+              <a:endParaRPr lang="fr-BE" dirty="0"/>
+            </a:p>
+            <a:p>
+              <a:pPr algn="ctr"/>
+              <a:endParaRPr lang="fr-BE" dirty="0"/>
+            </a:p>
+            <a:p>
+              <a:pPr algn="ctr"/>
+              <a:endParaRPr lang="fr-BE" dirty="0"/>
+            </a:p>
+            <a:p>
+              <a:pPr algn="ctr"/>
+              <a:endParaRPr lang="fr-BE" dirty="0"/>
+            </a:p>
+          </p:txBody>
+        </p:sp>
+        <p:grpSp>
+          <p:nvGrpSpPr>
+            <p:cNvPr id="1058" name="Groupe 1057">
+              <a:extLst>
+                <a:ext uri="{FF2B5EF4-FFF2-40B4-BE49-F238E27FC236}">
+                  <a16:creationId xmlns:a16="http://schemas.microsoft.com/office/drawing/2014/main" id="{A72C9282-155D-5F0F-5878-5993D3DB080B}"/>
+                </a:ext>
+              </a:extLst>
+            </p:cNvPr>
+            <p:cNvGrpSpPr/>
+            <p:nvPr/>
+          </p:nvGrpSpPr>
+          <p:grpSpPr>
+            <a:xfrm>
+              <a:off x="98323" y="65011"/>
+              <a:ext cx="12093677" cy="1266131"/>
+              <a:chOff x="727589" y="73912"/>
+              <a:chExt cx="10274709" cy="1220204"/>
+            </a:xfrm>
+          </p:grpSpPr>
+          <p:sp>
+            <p:nvSpPr>
+              <p:cNvPr id="7" name="Rectangle 6">
+                <a:extLst>
+                  <a:ext uri="{FF2B5EF4-FFF2-40B4-BE49-F238E27FC236}">
+                    <a16:creationId xmlns:a16="http://schemas.microsoft.com/office/drawing/2014/main" id="{65BBB403-C143-9BDF-97E1-85A50B706BE4}"/>
+                  </a:ext>
+                </a:extLst>
+              </p:cNvPr>
+              <p:cNvSpPr/>
+              <p:nvPr/>
+            </p:nvSpPr>
+            <p:spPr>
+              <a:xfrm>
+                <a:off x="727589" y="73912"/>
+                <a:ext cx="10274709" cy="1220204"/>
+              </a:xfrm>
+              <a:prstGeom prst="rect">
+                <a:avLst/>
+              </a:prstGeom>
+            </p:spPr>
+            <p:style>
+              <a:lnRef idx="0">
+                <a:schemeClr val="accent4"/>
+              </a:lnRef>
+              <a:fillRef idx="3">
+                <a:schemeClr val="accent4"/>
+              </a:fillRef>
+              <a:effectRef idx="3">
+                <a:schemeClr val="accent4"/>
+              </a:effectRef>
+              <a:fontRef idx="minor">
+                <a:schemeClr val="lt1"/>
+              </a:fontRef>
+            </p:style>
+            <p:txBody>
+              <a:bodyPr rtlCol="0" anchor="ctr"/>
+              <a:lstStyle/>
+              <a:p>
+                <a:pPr algn="ctr"/>
+                <a:r>
+                  <a:rPr lang="fr-BE" dirty="0">
+                    <a:solidFill>
+                      <a:schemeClr val="tx1"/>
+                    </a:solidFill>
+                  </a:rPr>
+                  <a:t>Presentation</a:t>
+                </a:r>
+              </a:p>
+              <a:p>
+                <a:pPr algn="ctr"/>
+                <a:endParaRPr lang="fr-BE" dirty="0"/>
+              </a:p>
+              <a:p>
+                <a:pPr algn="ctr"/>
+                <a:endParaRPr lang="fr-BE" dirty="0"/>
+              </a:p>
+              <a:p>
+                <a:pPr algn="ctr"/>
+                <a:endParaRPr lang="fr-BE" dirty="0"/>
+              </a:p>
+            </p:txBody>
+          </p:sp>
+          <p:grpSp>
+            <p:nvGrpSpPr>
+              <p:cNvPr id="1057" name="Groupe 1056">
+                <a:extLst>
+                  <a:ext uri="{FF2B5EF4-FFF2-40B4-BE49-F238E27FC236}">
+                    <a16:creationId xmlns:a16="http://schemas.microsoft.com/office/drawing/2014/main" id="{0094DFA7-088D-FA43-0A63-0D14F33B1221}"/>
+                  </a:ext>
+                </a:extLst>
+              </p:cNvPr>
+              <p:cNvGrpSpPr/>
+              <p:nvPr/>
+            </p:nvGrpSpPr>
+            <p:grpSpPr>
+              <a:xfrm>
+                <a:off x="1088467" y="378824"/>
+                <a:ext cx="3894815" cy="742322"/>
+                <a:chOff x="2573138" y="383996"/>
+                <a:chExt cx="3894815" cy="742322"/>
+              </a:xfrm>
+            </p:grpSpPr>
+            <p:grpSp>
+              <p:nvGrpSpPr>
+                <p:cNvPr id="1056" name="Groupe 1055">
+                  <a:extLst>
+                    <a:ext uri="{FF2B5EF4-FFF2-40B4-BE49-F238E27FC236}">
+                      <a16:creationId xmlns:a16="http://schemas.microsoft.com/office/drawing/2014/main" id="{9D7AF4FB-776F-EF12-F014-18A3E8EF9E86}"/>
+                    </a:ext>
+                  </a:extLst>
+                </p:cNvPr>
+                <p:cNvGrpSpPr/>
+                <p:nvPr/>
+              </p:nvGrpSpPr>
+              <p:grpSpPr>
+                <a:xfrm>
+                  <a:off x="2573138" y="383996"/>
+                  <a:ext cx="3894815" cy="742322"/>
+                  <a:chOff x="2573138" y="383996"/>
+                  <a:chExt cx="3894815" cy="742322"/>
+                </a:xfrm>
+              </p:grpSpPr>
+              <p:sp>
+                <p:nvSpPr>
+                  <p:cNvPr id="1053" name="Rectangle 1052">
+                    <a:extLst>
+                      <a:ext uri="{FF2B5EF4-FFF2-40B4-BE49-F238E27FC236}">
+                        <a16:creationId xmlns:a16="http://schemas.microsoft.com/office/drawing/2014/main" id="{58CD22EF-9E11-72EA-0ADD-E3644D6DFE06}"/>
+                      </a:ext>
+                    </a:extLst>
+                  </p:cNvPr>
+                  <p:cNvSpPr/>
+                  <p:nvPr/>
+                </p:nvSpPr>
+                <p:spPr>
+                  <a:xfrm>
+                    <a:off x="2573138" y="383996"/>
+                    <a:ext cx="3894815" cy="742322"/>
+                  </a:xfrm>
+                  <a:prstGeom prst="rect">
+                    <a:avLst/>
+                  </a:prstGeom>
+                  <a:solidFill>
+                    <a:schemeClr val="accent1">
+                      <a:lumMod val="60000"/>
+                      <a:lumOff val="40000"/>
+                    </a:schemeClr>
+                  </a:solidFill>
+                </p:spPr>
+                <p:style>
+                  <a:lnRef idx="2">
+                    <a:schemeClr val="dk1"/>
+                  </a:lnRef>
+                  <a:fillRef idx="1">
+                    <a:schemeClr val="lt1"/>
+                  </a:fillRef>
+                  <a:effectRef idx="0">
+                    <a:schemeClr val="dk1"/>
+                  </a:effectRef>
+                  <a:fontRef idx="minor">
+                    <a:schemeClr val="dk1"/>
+                  </a:fontRef>
+                </p:style>
+                <p:txBody>
+                  <a:bodyPr rtlCol="0" anchor="ctr"/>
+                  <a:lstStyle/>
+                  <a:p>
+                    <a:pPr algn="ctr"/>
+                    <a:r>
+                      <a:rPr lang="fr-BE" dirty="0"/>
+                      <a:t>FlexiTaskWebUI</a:t>
+                    </a:r>
+                  </a:p>
+                  <a:p>
+                    <a:pPr algn="ctr"/>
+                    <a:endParaRPr lang="fr-BE" dirty="0"/>
+                  </a:p>
+                  <a:p>
+                    <a:pPr algn="ctr"/>
+                    <a:endParaRPr lang="fr-BE" dirty="0"/>
+                  </a:p>
+                </p:txBody>
+              </p:sp>
+              <p:sp>
+                <p:nvSpPr>
+                  <p:cNvPr id="9" name="Rectangle 8">
+                    <a:extLst>
+                      <a:ext uri="{FF2B5EF4-FFF2-40B4-BE49-F238E27FC236}">
+                        <a16:creationId xmlns:a16="http://schemas.microsoft.com/office/drawing/2014/main" id="{9EACF7D4-6751-C145-5639-5871A26338EB}"/>
+                      </a:ext>
+                    </a:extLst>
+                  </p:cNvPr>
+                  <p:cNvSpPr/>
+                  <p:nvPr/>
+                </p:nvSpPr>
+                <p:spPr>
+                  <a:xfrm>
+                    <a:off x="2903299" y="675261"/>
+                    <a:ext cx="1634617" cy="335526"/>
+                  </a:xfrm>
+                  <a:prstGeom prst="rect">
+                    <a:avLst/>
+                  </a:prstGeom>
+                </p:spPr>
+                <p:style>
+                  <a:lnRef idx="2">
+                    <a:schemeClr val="dk1"/>
+                  </a:lnRef>
+                  <a:fillRef idx="1">
+                    <a:schemeClr val="lt1"/>
+                  </a:fillRef>
+                  <a:effectRef idx="0">
+                    <a:schemeClr val="dk1"/>
+                  </a:effectRef>
+                  <a:fontRef idx="minor">
+                    <a:schemeClr val="dk1"/>
+                  </a:fontRef>
+                </p:style>
+                <p:txBody>
+                  <a:bodyPr rtlCol="0" anchor="ctr"/>
+                  <a:lstStyle/>
+                  <a:p>
+                    <a:pPr algn="ctr"/>
+                    <a:r>
+                      <a:rPr lang="fr-BE" dirty="0"/>
+                      <a:t>Components</a:t>
+                    </a:r>
+                  </a:p>
+                </p:txBody>
+              </p:sp>
+            </p:grpSp>
+            <p:sp>
+              <p:nvSpPr>
+                <p:cNvPr id="10" name="Rectangle 9">
+                  <a:extLst>
+                    <a:ext uri="{FF2B5EF4-FFF2-40B4-BE49-F238E27FC236}">
+                      <a16:creationId xmlns:a16="http://schemas.microsoft.com/office/drawing/2014/main" id="{B8D19ED8-4BB6-498F-6D81-33150012D683}"/>
+                    </a:ext>
+                  </a:extLst>
+                </p:cNvPr>
+                <p:cNvSpPr/>
+                <p:nvPr/>
+              </p:nvSpPr>
+              <p:spPr>
+                <a:xfrm>
+                  <a:off x="4683842" y="680721"/>
+                  <a:ext cx="1450459" cy="335526"/>
+                </a:xfrm>
+                <a:prstGeom prst="rect">
+                  <a:avLst/>
+                </a:prstGeom>
+              </p:spPr>
+              <p:style>
+                <a:lnRef idx="2">
+                  <a:schemeClr val="dk1"/>
+                </a:lnRef>
+                <a:fillRef idx="1">
+                  <a:schemeClr val="lt1"/>
+                </a:fillRef>
+                <a:effectRef idx="0">
+                  <a:schemeClr val="dk1"/>
+                </a:effectRef>
+                <a:fontRef idx="minor">
+                  <a:schemeClr val="dk1"/>
+                </a:fontRef>
+              </p:style>
+              <p:txBody>
+                <a:bodyPr rtlCol="0" anchor="ctr"/>
+                <a:lstStyle/>
+                <a:p>
+                  <a:pPr algn="ctr"/>
+                  <a:r>
+                    <a:rPr lang="fr-BE" dirty="0"/>
+                    <a:t>Services</a:t>
+                  </a:r>
+                </a:p>
+              </p:txBody>
+            </p:sp>
+          </p:grpSp>
+        </p:grpSp>
+        <p:grpSp>
+          <p:nvGrpSpPr>
+            <p:cNvPr id="1060" name="Groupe 1059">
+              <a:extLst>
+                <a:ext uri="{FF2B5EF4-FFF2-40B4-BE49-F238E27FC236}">
+                  <a16:creationId xmlns:a16="http://schemas.microsoft.com/office/drawing/2014/main" id="{BEA6EDE7-481C-29EB-4E86-854EB4C33CDD}"/>
+                </a:ext>
+              </a:extLst>
+            </p:cNvPr>
+            <p:cNvGrpSpPr/>
+            <p:nvPr/>
+          </p:nvGrpSpPr>
+          <p:grpSpPr>
+            <a:xfrm>
+              <a:off x="98323" y="1430201"/>
+              <a:ext cx="12093677" cy="1863229"/>
+              <a:chOff x="727589" y="1529739"/>
+              <a:chExt cx="10274709" cy="2106871"/>
+            </a:xfrm>
+          </p:grpSpPr>
+          <p:grpSp>
+            <p:nvGrpSpPr>
+              <p:cNvPr id="1059" name="Groupe 1058">
+                <a:extLst>
+                  <a:ext uri="{FF2B5EF4-FFF2-40B4-BE49-F238E27FC236}">
+                    <a16:creationId xmlns:a16="http://schemas.microsoft.com/office/drawing/2014/main" id="{48A9D050-E666-E6F6-94D5-029669598C51}"/>
+                  </a:ext>
+                </a:extLst>
+              </p:cNvPr>
+              <p:cNvGrpSpPr/>
+              <p:nvPr/>
+            </p:nvGrpSpPr>
+            <p:grpSpPr>
+              <a:xfrm>
+                <a:off x="727589" y="1529739"/>
+                <a:ext cx="10274709" cy="2106871"/>
+                <a:chOff x="727589" y="1656939"/>
+                <a:chExt cx="10274709" cy="2106871"/>
+              </a:xfrm>
+            </p:grpSpPr>
+            <p:sp>
+              <p:nvSpPr>
+                <p:cNvPr id="4" name="Rectangle 3">
+                  <a:extLst>
+                    <a:ext uri="{FF2B5EF4-FFF2-40B4-BE49-F238E27FC236}">
+                      <a16:creationId xmlns:a16="http://schemas.microsoft.com/office/drawing/2014/main" id="{1534BBB3-D5CE-CE06-B92B-59D9C6C14206}"/>
+                    </a:ext>
+                  </a:extLst>
+                </p:cNvPr>
+                <p:cNvSpPr/>
+                <p:nvPr/>
+              </p:nvSpPr>
+              <p:spPr>
+                <a:xfrm>
+                  <a:off x="727589" y="1656939"/>
+                  <a:ext cx="10274709" cy="2106871"/>
+                </a:xfrm>
+                <a:prstGeom prst="rect">
+                  <a:avLst/>
+                </a:prstGeom>
+                <a:solidFill>
+                  <a:schemeClr val="accent3">
+                    <a:lumMod val="50000"/>
+                    <a:alpha val="50000"/>
+                  </a:schemeClr>
+                </a:solidFill>
+                <a:ln>
+                  <a:noFill/>
+                </a:ln>
+              </p:spPr>
+              <p:style>
+                <a:lnRef idx="0">
+                  <a:scrgbClr r="0" g="0" b="0"/>
+                </a:lnRef>
+                <a:fillRef idx="0">
+                  <a:scrgbClr r="0" g="0" b="0"/>
+                </a:fillRef>
+                <a:effectRef idx="0">
+                  <a:scrgbClr r="0" g="0" b="0"/>
+                </a:effectRef>
+                <a:fontRef idx="minor">
+                  <a:schemeClr val="lt1"/>
+                </a:fontRef>
+              </p:style>
+              <p:txBody>
+                <a:bodyPr rtlCol="0" anchor="ctr"/>
+                <a:lstStyle/>
+                <a:p>
+                  <a:pPr algn="ctr"/>
+                  <a:r>
+                    <a:rPr lang="fr-BE" dirty="0">
+                      <a:solidFill>
+                        <a:schemeClr val="tx1"/>
+                      </a:solidFill>
+                    </a:rPr>
+                    <a:t>FlexiTask.Application</a:t>
+                  </a:r>
+                </a:p>
+                <a:p>
+                  <a:pPr algn="ctr"/>
+                  <a:endParaRPr lang="fr-BE" dirty="0"/>
+                </a:p>
+                <a:p>
+                  <a:pPr algn="ctr"/>
+                  <a:endParaRPr lang="fr-BE" dirty="0"/>
+                </a:p>
+                <a:p>
+                  <a:pPr algn="ctr"/>
+                  <a:endParaRPr lang="fr-BE" dirty="0"/>
+                </a:p>
+                <a:p>
+                  <a:pPr algn="ctr"/>
+                  <a:endParaRPr lang="fr-BE" dirty="0"/>
+                </a:p>
+                <a:p>
+                  <a:pPr algn="ctr"/>
+                  <a:endParaRPr lang="fr-BE" dirty="0"/>
+                </a:p>
+                <a:p>
+                  <a:pPr algn="ctr"/>
+                  <a:endParaRPr lang="fr-BE" dirty="0"/>
+                </a:p>
+              </p:txBody>
+            </p:sp>
+            <p:grpSp>
+              <p:nvGrpSpPr>
+                <p:cNvPr id="24" name="Groupe 23">
+                  <a:extLst>
+                    <a:ext uri="{FF2B5EF4-FFF2-40B4-BE49-F238E27FC236}">
+                      <a16:creationId xmlns:a16="http://schemas.microsoft.com/office/drawing/2014/main" id="{54F5C70C-5159-0727-D7AE-A3D6B2EEA593}"/>
+                    </a:ext>
+                  </a:extLst>
+                </p:cNvPr>
+                <p:cNvGrpSpPr/>
+                <p:nvPr/>
+              </p:nvGrpSpPr>
+              <p:grpSpPr>
+                <a:xfrm>
+                  <a:off x="764409" y="1949847"/>
+                  <a:ext cx="3537161" cy="1580532"/>
+                  <a:chOff x="764409" y="1949847"/>
+                  <a:chExt cx="3537161" cy="1580532"/>
+                </a:xfrm>
+              </p:grpSpPr>
+              <p:sp>
+                <p:nvSpPr>
+                  <p:cNvPr id="15" name="Rectangle 14">
+                    <a:extLst>
+                      <a:ext uri="{FF2B5EF4-FFF2-40B4-BE49-F238E27FC236}">
+                        <a16:creationId xmlns:a16="http://schemas.microsoft.com/office/drawing/2014/main" id="{D07FE5B8-00A3-B122-724C-1DE8A6751703}"/>
+                      </a:ext>
+                    </a:extLst>
+                  </p:cNvPr>
+                  <p:cNvSpPr/>
+                  <p:nvPr/>
+                </p:nvSpPr>
+                <p:spPr>
+                  <a:xfrm>
+                    <a:off x="764409" y="1949847"/>
+                    <a:ext cx="3537161" cy="1580532"/>
+                  </a:xfrm>
+                  <a:prstGeom prst="rect">
+                    <a:avLst/>
+                  </a:prstGeom>
+                  <a:solidFill>
+                    <a:schemeClr val="accent3"/>
+                  </a:solidFill>
+                </p:spPr>
+                <p:style>
+                  <a:lnRef idx="2">
+                    <a:schemeClr val="dk1"/>
+                  </a:lnRef>
+                  <a:fillRef idx="1">
+                    <a:schemeClr val="lt1"/>
+                  </a:fillRef>
+                  <a:effectRef idx="0">
+                    <a:schemeClr val="dk1"/>
+                  </a:effectRef>
+                  <a:fontRef idx="minor">
+                    <a:schemeClr val="dk1"/>
+                  </a:fontRef>
+                </p:style>
+                <p:txBody>
+                  <a:bodyPr rtlCol="0" anchor="ctr"/>
+                  <a:lstStyle/>
+                  <a:p>
+                    <a:pPr algn="ctr"/>
+                    <a:endParaRPr lang="fr-BE" b="1" dirty="0">
+                      <a:solidFill>
+                        <a:schemeClr val="bg1"/>
+                      </a:solidFill>
+                    </a:endParaRPr>
+                  </a:p>
+                  <a:p>
+                    <a:pPr algn="ctr"/>
+                    <a:r>
+                      <a:rPr lang="fr-BE" sz="2000" b="1" dirty="0">
+                        <a:solidFill>
+                          <a:schemeClr val="bg1"/>
+                        </a:solidFill>
+                      </a:rPr>
+                      <a:t> Application.Commons</a:t>
+                    </a:r>
+                  </a:p>
+                  <a:p>
+                    <a:pPr algn="ctr"/>
+                    <a:endParaRPr lang="fr-BE" b="1" dirty="0">
+                      <a:solidFill>
+                        <a:schemeClr val="bg1"/>
+                      </a:solidFill>
+                    </a:endParaRPr>
+                  </a:p>
+                  <a:p>
+                    <a:pPr algn="ctr"/>
+                    <a:endParaRPr lang="fr-BE" b="1" dirty="0">
+                      <a:solidFill>
+                        <a:schemeClr val="bg1"/>
+                      </a:solidFill>
+                    </a:endParaRPr>
+                  </a:p>
+                  <a:p>
+                    <a:pPr algn="ctr"/>
+                    <a:endParaRPr lang="fr-BE" b="1" dirty="0">
+                      <a:solidFill>
+                        <a:schemeClr val="bg1"/>
+                      </a:solidFill>
+                    </a:endParaRPr>
+                  </a:p>
+                  <a:p>
+                    <a:pPr algn="ctr"/>
+                    <a:endParaRPr lang="fr-BE" b="1" dirty="0">
+                      <a:solidFill>
+                        <a:schemeClr val="bg1"/>
+                      </a:solidFill>
+                    </a:endParaRPr>
+                  </a:p>
+                  <a:p>
+                    <a:pPr algn="ctr"/>
+                    <a:endParaRPr lang="fr-BE" b="1" dirty="0">
+                      <a:solidFill>
+                        <a:schemeClr val="bg1"/>
+                      </a:solidFill>
+                    </a:endParaRPr>
+                  </a:p>
+                </p:txBody>
+              </p:sp>
+              <p:sp>
+                <p:nvSpPr>
+                  <p:cNvPr id="16" name="Rectangle 15">
+                    <a:extLst>
+                      <a:ext uri="{FF2B5EF4-FFF2-40B4-BE49-F238E27FC236}">
+                        <a16:creationId xmlns:a16="http://schemas.microsoft.com/office/drawing/2014/main" id="{F4DF7CD8-7BC9-C02D-AE8A-E332D74B2E4C}"/>
+                      </a:ext>
+                    </a:extLst>
+                  </p:cNvPr>
+                  <p:cNvSpPr/>
+                  <p:nvPr/>
+                </p:nvSpPr>
+                <p:spPr>
+                  <a:xfrm>
+                    <a:off x="852925" y="2339295"/>
+                    <a:ext cx="1634617" cy="333301"/>
+                  </a:xfrm>
+                  <a:prstGeom prst="rect">
+                    <a:avLst/>
+                  </a:prstGeom>
+                </p:spPr>
+                <p:style>
+                  <a:lnRef idx="2">
+                    <a:schemeClr val="dk1"/>
+                  </a:lnRef>
+                  <a:fillRef idx="1">
+                    <a:schemeClr val="lt1"/>
+                  </a:fillRef>
+                  <a:effectRef idx="0">
+                    <a:schemeClr val="dk1"/>
+                  </a:effectRef>
+                  <a:fontRef idx="minor">
+                    <a:schemeClr val="dk1"/>
+                  </a:fontRef>
+                </p:style>
+                <p:txBody>
+                  <a:bodyPr rtlCol="0" anchor="ctr"/>
+                  <a:lstStyle/>
+                  <a:p>
+                    <a:pPr algn="ctr"/>
+                    <a:r>
+                      <a:rPr lang="fr-BE" dirty="0"/>
+                      <a:t>Behaviours</a:t>
+                    </a:r>
+                  </a:p>
+                </p:txBody>
+              </p:sp>
+              <p:sp>
+                <p:nvSpPr>
+                  <p:cNvPr id="18" name="Rectangle 17">
+                    <a:extLst>
+                      <a:ext uri="{FF2B5EF4-FFF2-40B4-BE49-F238E27FC236}">
+                        <a16:creationId xmlns:a16="http://schemas.microsoft.com/office/drawing/2014/main" id="{A67F70FB-3CFA-7DBA-C066-1E68EDA16409}"/>
+                      </a:ext>
+                    </a:extLst>
+                  </p:cNvPr>
+                  <p:cNvSpPr/>
+                  <p:nvPr/>
+                </p:nvSpPr>
+                <p:spPr>
+                  <a:xfrm>
+                    <a:off x="852924" y="2713689"/>
+                    <a:ext cx="1634617" cy="335526"/>
+                  </a:xfrm>
+                  <a:prstGeom prst="rect">
+                    <a:avLst/>
+                  </a:prstGeom>
+                </p:spPr>
+                <p:style>
+                  <a:lnRef idx="2">
+                    <a:schemeClr val="dk1"/>
+                  </a:lnRef>
+                  <a:fillRef idx="1">
+                    <a:schemeClr val="lt1"/>
+                  </a:fillRef>
+                  <a:effectRef idx="0">
+                    <a:schemeClr val="dk1"/>
+                  </a:effectRef>
+                  <a:fontRef idx="minor">
+                    <a:schemeClr val="dk1"/>
+                  </a:fontRef>
+                </p:style>
+                <p:txBody>
+                  <a:bodyPr rtlCol="0" anchor="ctr"/>
+                  <a:lstStyle/>
+                  <a:p>
+                    <a:pPr algn="ctr"/>
+                    <a:r>
+                      <a:rPr lang="fr-BE" dirty="0"/>
+                      <a:t>Exceptions</a:t>
+                    </a:r>
+                  </a:p>
+                </p:txBody>
+              </p:sp>
+              <p:sp>
+                <p:nvSpPr>
+                  <p:cNvPr id="20" name="Rectangle 19">
+                    <a:extLst>
+                      <a:ext uri="{FF2B5EF4-FFF2-40B4-BE49-F238E27FC236}">
+                        <a16:creationId xmlns:a16="http://schemas.microsoft.com/office/drawing/2014/main" id="{599412C0-C9C1-965F-91BD-F48F6894ADDA}"/>
+                      </a:ext>
+                    </a:extLst>
+                  </p:cNvPr>
+                  <p:cNvSpPr/>
+                  <p:nvPr/>
+                </p:nvSpPr>
+                <p:spPr>
+                  <a:xfrm>
+                    <a:off x="840529" y="3103502"/>
+                    <a:ext cx="1634617" cy="335526"/>
+                  </a:xfrm>
+                  <a:prstGeom prst="rect">
+                    <a:avLst/>
+                  </a:prstGeom>
+                </p:spPr>
+                <p:style>
+                  <a:lnRef idx="2">
+                    <a:schemeClr val="dk1"/>
+                  </a:lnRef>
+                  <a:fillRef idx="1">
+                    <a:schemeClr val="lt1"/>
+                  </a:fillRef>
+                  <a:effectRef idx="0">
+                    <a:schemeClr val="dk1"/>
+                  </a:effectRef>
+                  <a:fontRef idx="minor">
+                    <a:schemeClr val="dk1"/>
+                  </a:fontRef>
+                </p:style>
+                <p:txBody>
+                  <a:bodyPr rtlCol="0" anchor="ctr"/>
+                  <a:lstStyle/>
+                  <a:p>
+                    <a:pPr algn="ctr"/>
+                    <a:r>
+                      <a:rPr lang="fr-BE" dirty="0"/>
+                      <a:t>Interfaces</a:t>
+                    </a:r>
+                  </a:p>
+                </p:txBody>
+              </p:sp>
+              <p:sp>
+                <p:nvSpPr>
+                  <p:cNvPr id="22" name="Rectangle 21">
+                    <a:extLst>
+                      <a:ext uri="{FF2B5EF4-FFF2-40B4-BE49-F238E27FC236}">
+                        <a16:creationId xmlns:a16="http://schemas.microsoft.com/office/drawing/2014/main" id="{D06323B2-2FEC-D410-A6DD-A479BF3525CE}"/>
+                      </a:ext>
+                    </a:extLst>
+                  </p:cNvPr>
+                  <p:cNvSpPr/>
+                  <p:nvPr/>
+                </p:nvSpPr>
+                <p:spPr>
+                  <a:xfrm>
+                    <a:off x="2546818" y="2731836"/>
+                    <a:ext cx="1634617" cy="335526"/>
+                  </a:xfrm>
+                  <a:prstGeom prst="rect">
+                    <a:avLst/>
+                  </a:prstGeom>
+                </p:spPr>
+                <p:style>
+                  <a:lnRef idx="2">
+                    <a:schemeClr val="dk1"/>
+                  </a:lnRef>
+                  <a:fillRef idx="1">
+                    <a:schemeClr val="lt1"/>
+                  </a:fillRef>
+                  <a:effectRef idx="0">
+                    <a:schemeClr val="dk1"/>
+                  </a:effectRef>
+                  <a:fontRef idx="minor">
+                    <a:schemeClr val="dk1"/>
+                  </a:fontRef>
+                </p:style>
+                <p:txBody>
+                  <a:bodyPr rtlCol="0" anchor="ctr"/>
+                  <a:lstStyle/>
+                  <a:p>
+                    <a:pPr algn="ctr"/>
+                    <a:r>
+                      <a:rPr lang="fr-BE" dirty="0"/>
+                      <a:t>Mappings</a:t>
+                    </a:r>
+                  </a:p>
+                </p:txBody>
+              </p:sp>
+              <p:sp>
+                <p:nvSpPr>
+                  <p:cNvPr id="23" name="Rectangle 22">
+                    <a:extLst>
+                      <a:ext uri="{FF2B5EF4-FFF2-40B4-BE49-F238E27FC236}">
+                        <a16:creationId xmlns:a16="http://schemas.microsoft.com/office/drawing/2014/main" id="{E89236D7-A8F2-0593-C3C9-CFE4D30E2D25}"/>
+                      </a:ext>
+                    </a:extLst>
+                  </p:cNvPr>
+                  <p:cNvSpPr/>
+                  <p:nvPr/>
+                </p:nvSpPr>
+                <p:spPr>
+                  <a:xfrm>
+                    <a:off x="2546819" y="2343065"/>
+                    <a:ext cx="1634617" cy="335526"/>
+                  </a:xfrm>
+                  <a:prstGeom prst="rect">
+                    <a:avLst/>
+                  </a:prstGeom>
+                </p:spPr>
+                <p:style>
+                  <a:lnRef idx="2">
+                    <a:schemeClr val="dk1"/>
+                  </a:lnRef>
+                  <a:fillRef idx="1">
+                    <a:schemeClr val="lt1"/>
+                  </a:fillRef>
+                  <a:effectRef idx="0">
+                    <a:schemeClr val="dk1"/>
+                  </a:effectRef>
+                  <a:fontRef idx="minor">
+                    <a:schemeClr val="dk1"/>
+                  </a:fontRef>
+                </p:style>
+                <p:txBody>
+                  <a:bodyPr rtlCol="0" anchor="ctr"/>
+                  <a:lstStyle/>
+                  <a:p>
+                    <a:pPr algn="ctr"/>
+                    <a:r>
+                      <a:rPr lang="fr-BE" dirty="0"/>
+                      <a:t>Models</a:t>
+                    </a:r>
+                  </a:p>
+                </p:txBody>
+              </p:sp>
+            </p:grpSp>
+            <p:sp>
+              <p:nvSpPr>
+                <p:cNvPr id="30" name="Rectangle 29">
+                  <a:extLst>
+                    <a:ext uri="{FF2B5EF4-FFF2-40B4-BE49-F238E27FC236}">
+                      <a16:creationId xmlns:a16="http://schemas.microsoft.com/office/drawing/2014/main" id="{2103F5E7-E87A-60AD-664C-7A2F8D3DC76E}"/>
+                    </a:ext>
+                  </a:extLst>
+                </p:cNvPr>
+                <p:cNvSpPr/>
+                <p:nvPr/>
+              </p:nvSpPr>
+              <p:spPr>
+                <a:xfrm>
+                  <a:off x="4390085" y="1949849"/>
+                  <a:ext cx="6528679" cy="1655248"/>
+                </a:xfrm>
+                <a:prstGeom prst="rect">
+                  <a:avLst/>
+                </a:prstGeom>
+                <a:solidFill>
+                  <a:schemeClr val="accent3"/>
+                </a:solidFill>
+              </p:spPr>
+              <p:style>
+                <a:lnRef idx="2">
+                  <a:schemeClr val="dk1"/>
+                </a:lnRef>
+                <a:fillRef idx="1">
+                  <a:schemeClr val="lt1"/>
+                </a:fillRef>
+                <a:effectRef idx="0">
+                  <a:schemeClr val="dk1"/>
+                </a:effectRef>
+                <a:fontRef idx="minor">
+                  <a:schemeClr val="dk1"/>
+                </a:fontRef>
+              </p:style>
+              <p:txBody>
+                <a:bodyPr rtlCol="0" anchor="ctr"/>
+                <a:lstStyle/>
+                <a:p>
+                  <a:pPr algn="ctr"/>
+                  <a:endParaRPr lang="fr-BE" b="1" dirty="0">
+                    <a:solidFill>
+                      <a:schemeClr val="bg1"/>
+                    </a:solidFill>
+                  </a:endParaRPr>
+                </a:p>
+                <a:p>
+                  <a:pPr algn="ctr"/>
+                  <a:r>
+                    <a:rPr lang="fr-BE" b="1" dirty="0">
+                      <a:solidFill>
+                        <a:schemeClr val="bg1"/>
+                      </a:solidFill>
+                    </a:rPr>
+                    <a:t> Application.Features</a:t>
+                  </a:r>
+                </a:p>
+                <a:p>
+                  <a:pPr algn="ctr"/>
+                  <a:endParaRPr lang="fr-BE" b="1" dirty="0">
+                    <a:solidFill>
+                      <a:schemeClr val="bg1"/>
+                    </a:solidFill>
+                  </a:endParaRPr>
+                </a:p>
+                <a:p>
+                  <a:pPr algn="ctr"/>
+                  <a:endParaRPr lang="fr-BE" b="1" dirty="0">
+                    <a:solidFill>
+                      <a:schemeClr val="bg1"/>
+                    </a:solidFill>
+                  </a:endParaRPr>
+                </a:p>
+                <a:p>
+                  <a:pPr algn="ctr"/>
+                  <a:endParaRPr lang="fr-BE" b="1" dirty="0">
+                    <a:solidFill>
+                      <a:schemeClr val="bg1"/>
+                    </a:solidFill>
+                  </a:endParaRPr>
+                </a:p>
+                <a:p>
+                  <a:pPr algn="ctr"/>
+                  <a:endParaRPr lang="fr-BE" b="1" dirty="0">
+                    <a:solidFill>
+                      <a:schemeClr val="bg1"/>
+                    </a:solidFill>
+                  </a:endParaRPr>
+                </a:p>
+                <a:p>
+                  <a:pPr algn="ctr"/>
+                  <a:endParaRPr lang="fr-BE" b="1" dirty="0">
+                    <a:solidFill>
+                      <a:schemeClr val="bg1"/>
+                    </a:solidFill>
+                  </a:endParaRPr>
+                </a:p>
+              </p:txBody>
+            </p:sp>
+          </p:grpSp>
+          <p:sp>
+            <p:nvSpPr>
+              <p:cNvPr id="43" name="Rectangle 42">
+                <a:extLst>
+                  <a:ext uri="{FF2B5EF4-FFF2-40B4-BE49-F238E27FC236}">
+                    <a16:creationId xmlns:a16="http://schemas.microsoft.com/office/drawing/2014/main" id="{537EF9A9-850F-F76E-C591-FA3D717A4625}"/>
+                  </a:ext>
+                </a:extLst>
+              </p:cNvPr>
+              <p:cNvSpPr/>
+              <p:nvPr/>
+            </p:nvSpPr>
+            <p:spPr>
+              <a:xfrm>
+                <a:off x="4463905" y="2146261"/>
+                <a:ext cx="6376058" cy="1244922"/>
+              </a:xfrm>
+              <a:prstGeom prst="rect">
+                <a:avLst/>
+              </a:prstGeom>
+              <a:solidFill>
+                <a:schemeClr val="accent3">
+                  <a:lumMod val="60000"/>
+                  <a:lumOff val="40000"/>
+                </a:schemeClr>
+              </a:solidFill>
+            </p:spPr>
+            <p:style>
+              <a:lnRef idx="2">
+                <a:schemeClr val="dk1"/>
+              </a:lnRef>
+              <a:fillRef idx="1">
+                <a:schemeClr val="lt1"/>
+              </a:fillRef>
+              <a:effectRef idx="0">
+                <a:schemeClr val="dk1"/>
+              </a:effectRef>
+              <a:fontRef idx="minor">
+                <a:schemeClr val="dk1"/>
+              </a:fontRef>
+            </p:style>
+            <p:txBody>
+              <a:bodyPr rtlCol="0" anchor="ctr"/>
+              <a:lstStyle/>
+              <a:p>
+                <a:r>
+                  <a:rPr lang="fr-BE" dirty="0"/>
+                  <a:t>Features.Tasks</a:t>
+                </a:r>
+                <a:br>
+                  <a:rPr lang="fr-BE" dirty="0"/>
+                </a:br>
+                <a:endParaRPr lang="fr-BE" dirty="0"/>
+              </a:p>
+              <a:p>
+                <a:pPr algn="ctr"/>
+                <a:endParaRPr lang="fr-BE" dirty="0"/>
+              </a:p>
+              <a:p>
+                <a:pPr algn="ctr"/>
+                <a:endParaRPr lang="fr-BE" dirty="0"/>
+              </a:p>
+            </p:txBody>
+          </p:sp>
+          <p:sp>
+            <p:nvSpPr>
+              <p:cNvPr id="31" name="Rectangle 30">
+                <a:extLst>
+                  <a:ext uri="{FF2B5EF4-FFF2-40B4-BE49-F238E27FC236}">
+                    <a16:creationId xmlns:a16="http://schemas.microsoft.com/office/drawing/2014/main" id="{6BCB44F8-BED3-9D08-1C41-6BCAEF14A557}"/>
+                  </a:ext>
+                </a:extLst>
+              </p:cNvPr>
+              <p:cNvSpPr/>
+              <p:nvPr/>
+            </p:nvSpPr>
+            <p:spPr>
+              <a:xfrm>
+                <a:off x="4699144" y="2449677"/>
+                <a:ext cx="1897489" cy="885277"/>
+              </a:xfrm>
+              <a:prstGeom prst="rect">
+                <a:avLst/>
+              </a:prstGeom>
+              <a:solidFill>
+                <a:schemeClr val="accent3">
+                  <a:lumMod val="20000"/>
+                  <a:lumOff val="80000"/>
+                </a:schemeClr>
+              </a:solidFill>
+            </p:spPr>
+            <p:style>
+              <a:lnRef idx="2">
+                <a:schemeClr val="dk1"/>
+              </a:lnRef>
+              <a:fillRef idx="1">
+                <a:schemeClr val="lt1"/>
+              </a:fillRef>
+              <a:effectRef idx="0">
+                <a:schemeClr val="dk1"/>
+              </a:effectRef>
+              <a:fontRef idx="minor">
+                <a:schemeClr val="dk1"/>
+              </a:fontRef>
+            </p:style>
+            <p:txBody>
+              <a:bodyPr rtlCol="0" anchor="ctr"/>
+              <a:lstStyle/>
+              <a:p>
+                <a:pPr algn="ctr"/>
+                <a:r>
+                  <a:rPr lang="fr-BE" dirty="0"/>
+                  <a:t>Tasks.Commands</a:t>
+                </a:r>
+              </a:p>
+              <a:p>
+                <a:pPr algn="ctr"/>
+                <a:endParaRPr lang="fr-BE" dirty="0"/>
+              </a:p>
+              <a:p>
+                <a:pPr algn="ctr"/>
+                <a:endParaRPr lang="fr-BE" dirty="0"/>
+              </a:p>
+            </p:txBody>
+          </p:sp>
+          <p:sp>
+            <p:nvSpPr>
+              <p:cNvPr id="41" name="Rectangle 40">
+                <a:extLst>
+                  <a:ext uri="{FF2B5EF4-FFF2-40B4-BE49-F238E27FC236}">
+                    <a16:creationId xmlns:a16="http://schemas.microsoft.com/office/drawing/2014/main" id="{8884C30B-DA92-E6DE-600E-04BA5C38E2CE}"/>
+                  </a:ext>
+                </a:extLst>
+              </p:cNvPr>
+              <p:cNvSpPr/>
+              <p:nvPr/>
+            </p:nvSpPr>
+            <p:spPr>
+              <a:xfrm>
+                <a:off x="8381280" y="2445696"/>
+                <a:ext cx="1923552" cy="875594"/>
+              </a:xfrm>
+              <a:prstGeom prst="rect">
+                <a:avLst/>
+              </a:prstGeom>
+              <a:solidFill>
+                <a:schemeClr val="accent3">
+                  <a:lumMod val="20000"/>
+                  <a:lumOff val="80000"/>
+                </a:schemeClr>
+              </a:solidFill>
+            </p:spPr>
+            <p:style>
+              <a:lnRef idx="2">
+                <a:schemeClr val="dk1"/>
+              </a:lnRef>
+              <a:fillRef idx="1">
+                <a:schemeClr val="lt1"/>
+              </a:fillRef>
+              <a:effectRef idx="0">
+                <a:schemeClr val="dk1"/>
+              </a:effectRef>
+              <a:fontRef idx="minor">
+                <a:schemeClr val="dk1"/>
+              </a:fontRef>
+            </p:style>
+            <p:txBody>
+              <a:bodyPr rtlCol="0" anchor="ctr"/>
+              <a:lstStyle/>
+              <a:p>
+                <a:pPr algn="ctr"/>
+                <a:r>
+                  <a:rPr lang="fr-BE" dirty="0"/>
+                  <a:t>Tasks.Queries</a:t>
+                </a:r>
+              </a:p>
+              <a:p>
+                <a:pPr algn="ctr"/>
+                <a:endParaRPr lang="fr-BE" dirty="0"/>
+              </a:p>
+              <a:p>
+                <a:pPr algn="ctr"/>
+                <a:endParaRPr lang="fr-BE" dirty="0"/>
+              </a:p>
+            </p:txBody>
+          </p:sp>
+          <p:sp>
+            <p:nvSpPr>
+              <p:cNvPr id="42" name="Rectangle 41">
+                <a:extLst>
+                  <a:ext uri="{FF2B5EF4-FFF2-40B4-BE49-F238E27FC236}">
+                    <a16:creationId xmlns:a16="http://schemas.microsoft.com/office/drawing/2014/main" id="{1CA5E67C-F31B-E212-34A6-4814B16FEE12}"/>
+                  </a:ext>
+                </a:extLst>
+              </p:cNvPr>
+              <p:cNvSpPr/>
+              <p:nvPr/>
+            </p:nvSpPr>
+            <p:spPr>
+              <a:xfrm>
+                <a:off x="6637393" y="2445025"/>
+                <a:ext cx="1691640" cy="885277"/>
+              </a:xfrm>
+              <a:prstGeom prst="rect">
+                <a:avLst/>
+              </a:prstGeom>
+              <a:solidFill>
+                <a:schemeClr val="accent3">
+                  <a:lumMod val="20000"/>
+                  <a:lumOff val="80000"/>
+                </a:schemeClr>
+              </a:solidFill>
+            </p:spPr>
+            <p:style>
+              <a:lnRef idx="2">
+                <a:schemeClr val="dk1"/>
+              </a:lnRef>
+              <a:fillRef idx="1">
+                <a:schemeClr val="lt1"/>
+              </a:fillRef>
+              <a:effectRef idx="0">
+                <a:schemeClr val="dk1"/>
+              </a:effectRef>
+              <a:fontRef idx="minor">
+                <a:schemeClr val="dk1"/>
+              </a:fontRef>
+            </p:style>
+            <p:txBody>
+              <a:bodyPr rtlCol="0" anchor="ctr"/>
+              <a:lstStyle/>
+              <a:p>
+                <a:pPr algn="ctr"/>
+                <a:r>
+                  <a:rPr lang="fr-BE" sz="1400" dirty="0"/>
+                  <a:t>Tasks.EventHandlers</a:t>
+                </a:r>
+              </a:p>
+              <a:p>
+                <a:pPr algn="ctr"/>
+                <a:endParaRPr lang="fr-BE" dirty="0"/>
+              </a:p>
+              <a:p>
+                <a:pPr algn="ctr"/>
+                <a:endParaRPr lang="fr-BE" dirty="0"/>
+              </a:p>
+            </p:txBody>
+          </p:sp>
+        </p:grpSp>
+        <p:grpSp>
+          <p:nvGrpSpPr>
+            <p:cNvPr id="1048" name="Groupe 1047">
+              <a:extLst>
+                <a:ext uri="{FF2B5EF4-FFF2-40B4-BE49-F238E27FC236}">
+                  <a16:creationId xmlns:a16="http://schemas.microsoft.com/office/drawing/2014/main" id="{8F625D8E-06E9-F021-26A1-EB21D629473E}"/>
+                </a:ext>
+              </a:extLst>
+            </p:cNvPr>
+            <p:cNvGrpSpPr/>
+            <p:nvPr/>
+          </p:nvGrpSpPr>
+          <p:grpSpPr>
+            <a:xfrm>
+              <a:off x="98323" y="3272499"/>
+              <a:ext cx="12093677" cy="1525312"/>
+              <a:chOff x="147485" y="3810070"/>
+              <a:chExt cx="10274709" cy="2132305"/>
+            </a:xfrm>
+          </p:grpSpPr>
+          <p:sp>
+            <p:nvSpPr>
+              <p:cNvPr id="5" name="Rectangle 4">
+                <a:extLst>
+                  <a:ext uri="{FF2B5EF4-FFF2-40B4-BE49-F238E27FC236}">
+                    <a16:creationId xmlns:a16="http://schemas.microsoft.com/office/drawing/2014/main" id="{CD33F1C4-93FB-9AA6-A837-7E3A19900CD5}"/>
+                  </a:ext>
+                </a:extLst>
+              </p:cNvPr>
+              <p:cNvSpPr/>
+              <p:nvPr/>
+            </p:nvSpPr>
+            <p:spPr>
+              <a:xfrm>
+                <a:off x="147485" y="3810070"/>
+                <a:ext cx="10274709" cy="2132305"/>
+              </a:xfrm>
+              <a:prstGeom prst="rect">
+                <a:avLst/>
+              </a:prstGeom>
+              <a:solidFill>
+                <a:schemeClr val="accent2">
+                  <a:lumMod val="20000"/>
+                  <a:lumOff val="80000"/>
+                </a:schemeClr>
+              </a:solidFill>
+            </p:spPr>
+            <p:style>
+              <a:lnRef idx="2">
+                <a:schemeClr val="accent2"/>
+              </a:lnRef>
+              <a:fillRef idx="1">
+                <a:schemeClr val="lt1"/>
+              </a:fillRef>
+              <a:effectRef idx="0">
+                <a:schemeClr val="accent2"/>
+              </a:effectRef>
+              <a:fontRef idx="minor">
+                <a:schemeClr val="dk1"/>
+              </a:fontRef>
+            </p:style>
+            <p:txBody>
+              <a:bodyPr rtlCol="0" anchor="ctr"/>
+              <a:lstStyle/>
+              <a:p>
+                <a:pPr algn="ctr"/>
+                <a:endParaRPr lang="fr-BE" dirty="0">
+                  <a:solidFill>
+                    <a:schemeClr val="dk1"/>
+                  </a:solidFill>
+                </a:endParaRPr>
+              </a:p>
+              <a:p>
+                <a:pPr algn="ctr"/>
+                <a:r>
+                  <a:rPr lang="fr-BE" dirty="0">
+                    <a:solidFill>
+                      <a:schemeClr val="dk1"/>
+                    </a:solidFill>
+                  </a:rPr>
+                  <a:t>FlexiTask.Domain</a:t>
+                </a:r>
+              </a:p>
+              <a:p>
+                <a:pPr algn="ctr"/>
+                <a:endParaRPr lang="fr-BE" dirty="0"/>
+              </a:p>
+              <a:p>
+                <a:pPr algn="ctr"/>
+                <a:endParaRPr lang="fr-BE" dirty="0">
+                  <a:solidFill>
+                    <a:schemeClr val="dk1"/>
+                  </a:solidFill>
+                </a:endParaRPr>
+              </a:p>
+              <a:p>
+                <a:pPr algn="ctr"/>
+                <a:endParaRPr lang="fr-BE" dirty="0"/>
+              </a:p>
+              <a:p>
+                <a:pPr algn="ctr"/>
+                <a:endParaRPr lang="fr-BE" dirty="0">
+                  <a:solidFill>
+                    <a:schemeClr val="dk1"/>
+                  </a:solidFill>
+                </a:endParaRPr>
+              </a:p>
+              <a:p>
+                <a:pPr algn="ctr"/>
+                <a:br>
+                  <a:rPr lang="fr-BE" dirty="0">
+                    <a:solidFill>
+                      <a:schemeClr val="dk1"/>
+                    </a:solidFill>
+                  </a:rPr>
+                </a:br>
+                <a:endParaRPr lang="fr-BE" dirty="0">
+                  <a:solidFill>
+                    <a:schemeClr val="dk1"/>
+                  </a:solidFill>
+                </a:endParaRPr>
+              </a:p>
+            </p:txBody>
+          </p:sp>
+          <p:grpSp>
+            <p:nvGrpSpPr>
+              <p:cNvPr id="1042" name="Groupe 1041">
+                <a:extLst>
+                  <a:ext uri="{FF2B5EF4-FFF2-40B4-BE49-F238E27FC236}">
+                    <a16:creationId xmlns:a16="http://schemas.microsoft.com/office/drawing/2014/main" id="{62247ADC-F2FA-80F2-181D-4A0D503B89E1}"/>
+                  </a:ext>
+                </a:extLst>
+              </p:cNvPr>
+              <p:cNvGrpSpPr/>
+              <p:nvPr/>
+            </p:nvGrpSpPr>
+            <p:grpSpPr>
+              <a:xfrm>
+                <a:off x="286348" y="4216834"/>
+                <a:ext cx="2002108" cy="1580532"/>
+                <a:chOff x="1843222" y="4287171"/>
+                <a:chExt cx="2002108" cy="1580532"/>
+              </a:xfrm>
+            </p:grpSpPr>
+            <p:sp>
+              <p:nvSpPr>
+                <p:cNvPr id="55" name="Rectangle 54">
+                  <a:extLst>
+                    <a:ext uri="{FF2B5EF4-FFF2-40B4-BE49-F238E27FC236}">
+                      <a16:creationId xmlns:a16="http://schemas.microsoft.com/office/drawing/2014/main" id="{693B93E0-DED0-4B78-AF52-B83E032D0F36}"/>
+                    </a:ext>
+                  </a:extLst>
+                </p:cNvPr>
+                <p:cNvSpPr/>
+                <p:nvPr/>
+              </p:nvSpPr>
+              <p:spPr>
+                <a:xfrm>
+                  <a:off x="1843222" y="4287171"/>
+                  <a:ext cx="2002108" cy="1580532"/>
+                </a:xfrm>
+                <a:prstGeom prst="rect">
+                  <a:avLst/>
+                </a:prstGeom>
+                <a:solidFill>
+                  <a:srgbClr val="FFC000"/>
+                </a:solidFill>
+              </p:spPr>
+              <p:style>
+                <a:lnRef idx="2">
+                  <a:schemeClr val="accent6"/>
+                </a:lnRef>
+                <a:fillRef idx="1">
+                  <a:schemeClr val="lt1"/>
+                </a:fillRef>
+                <a:effectRef idx="0">
+                  <a:schemeClr val="accent6"/>
+                </a:effectRef>
+                <a:fontRef idx="minor">
+                  <a:schemeClr val="dk1"/>
+                </a:fontRef>
+              </p:style>
+              <p:txBody>
+                <a:bodyPr rtlCol="0" anchor="ctr"/>
+                <a:lstStyle/>
+                <a:p>
+                  <a:pPr algn="ctr"/>
+                  <a:endParaRPr lang="fr-BE" b="1" dirty="0">
+                    <a:solidFill>
+                      <a:schemeClr val="bg1"/>
+                    </a:solidFill>
+                  </a:endParaRPr>
+                </a:p>
+                <a:p>
+                  <a:pPr algn="ctr"/>
+                  <a:r>
+                    <a:rPr lang="fr-BE" b="1" dirty="0">
+                      <a:solidFill>
+                        <a:schemeClr val="bg1"/>
+                      </a:solidFill>
+                    </a:rPr>
+                    <a:t>                         </a:t>
+                  </a:r>
+                  <a:r>
+                    <a:rPr lang="fr-BE" sz="1400" b="1" dirty="0">
+                      <a:solidFill>
+                        <a:schemeClr val="tx1"/>
+                      </a:solidFill>
+                    </a:rPr>
+                    <a:t>Domain.Commons</a:t>
+                  </a:r>
+                </a:p>
+                <a:p>
+                  <a:pPr algn="ctr"/>
+                  <a:endParaRPr lang="fr-BE" b="1" dirty="0">
+                    <a:solidFill>
+                      <a:schemeClr val="bg1"/>
+                    </a:solidFill>
+                  </a:endParaRPr>
+                </a:p>
+                <a:p>
+                  <a:pPr algn="ctr"/>
+                  <a:endParaRPr lang="fr-BE" b="1" dirty="0">
+                    <a:solidFill>
+                      <a:schemeClr val="bg1"/>
+                    </a:solidFill>
+                  </a:endParaRPr>
+                </a:p>
+                <a:p>
+                  <a:pPr algn="ctr"/>
+                  <a:endParaRPr lang="fr-BE" b="1" dirty="0">
+                    <a:solidFill>
+                      <a:schemeClr val="bg1"/>
+                    </a:solidFill>
+                  </a:endParaRPr>
+                </a:p>
+                <a:p>
+                  <a:pPr algn="ctr"/>
+                  <a:endParaRPr lang="fr-BE" b="1" dirty="0">
+                    <a:solidFill>
+                      <a:schemeClr val="bg1"/>
+                    </a:solidFill>
+                  </a:endParaRPr>
+                </a:p>
+                <a:p>
+                  <a:pPr algn="ctr"/>
+                  <a:endParaRPr lang="fr-BE" b="1" dirty="0">
+                    <a:solidFill>
+                      <a:schemeClr val="bg1"/>
+                    </a:solidFill>
+                  </a:endParaRPr>
+                </a:p>
+                <a:p>
+                  <a:pPr algn="ctr"/>
+                  <a:endParaRPr lang="fr-BE" b="1" dirty="0">
+                    <a:solidFill>
+                      <a:schemeClr val="bg1"/>
+                    </a:solidFill>
+                  </a:endParaRPr>
+                </a:p>
+              </p:txBody>
+            </p:sp>
+            <p:sp>
+              <p:nvSpPr>
+                <p:cNvPr id="56" name="Rectangle 55">
+                  <a:extLst>
+                    <a:ext uri="{FF2B5EF4-FFF2-40B4-BE49-F238E27FC236}">
+                      <a16:creationId xmlns:a16="http://schemas.microsoft.com/office/drawing/2014/main" id="{2B1FE3BF-AB86-4017-3008-593ABAC225E1}"/>
+                    </a:ext>
+                  </a:extLst>
+                </p:cNvPr>
+                <p:cNvSpPr/>
+                <p:nvPr/>
+              </p:nvSpPr>
+              <p:spPr>
+                <a:xfrm>
+                  <a:off x="1894839" y="4676553"/>
+                  <a:ext cx="1716963" cy="333301"/>
+                </a:xfrm>
+                <a:prstGeom prst="rect">
+                  <a:avLst/>
+                </a:prstGeom>
+              </p:spPr>
+              <p:style>
+                <a:lnRef idx="2">
+                  <a:schemeClr val="dk1"/>
+                </a:lnRef>
+                <a:fillRef idx="1">
+                  <a:schemeClr val="lt1"/>
+                </a:fillRef>
+                <a:effectRef idx="0">
+                  <a:schemeClr val="dk1"/>
+                </a:effectRef>
+                <a:fontRef idx="minor">
+                  <a:schemeClr val="dk1"/>
+                </a:fontRef>
+              </p:style>
+              <p:txBody>
+                <a:bodyPr rtlCol="0" anchor="ctr"/>
+                <a:lstStyle/>
+                <a:p>
+                  <a:pPr algn="ctr"/>
+                  <a:r>
+                    <a:rPr lang="fr-BE" dirty="0"/>
+                    <a:t>Base Auditable</a:t>
+                  </a:r>
+                </a:p>
+              </p:txBody>
+            </p:sp>
+            <p:sp>
+              <p:nvSpPr>
+                <p:cNvPr id="57" name="Rectangle 56">
+                  <a:extLst>
+                    <a:ext uri="{FF2B5EF4-FFF2-40B4-BE49-F238E27FC236}">
+                      <a16:creationId xmlns:a16="http://schemas.microsoft.com/office/drawing/2014/main" id="{A949ABFA-D14B-ADF5-4C0B-24BC2C201080}"/>
+                    </a:ext>
+                  </a:extLst>
+                </p:cNvPr>
+                <p:cNvSpPr/>
+                <p:nvPr/>
+              </p:nvSpPr>
+              <p:spPr>
+                <a:xfrm>
+                  <a:off x="1894840" y="5060859"/>
+                  <a:ext cx="1716962" cy="335526"/>
+                </a:xfrm>
+                <a:prstGeom prst="rect">
+                  <a:avLst/>
+                </a:prstGeom>
+              </p:spPr>
+              <p:style>
+                <a:lnRef idx="2">
+                  <a:schemeClr val="dk1"/>
+                </a:lnRef>
+                <a:fillRef idx="1">
+                  <a:schemeClr val="lt1"/>
+                </a:fillRef>
+                <a:effectRef idx="0">
+                  <a:schemeClr val="dk1"/>
+                </a:effectRef>
+                <a:fontRef idx="minor">
+                  <a:schemeClr val="dk1"/>
+                </a:fontRef>
+              </p:style>
+              <p:txBody>
+                <a:bodyPr rtlCol="0" anchor="ctr"/>
+                <a:lstStyle/>
+                <a:p>
+                  <a:pPr algn="ctr"/>
+                  <a:r>
+                    <a:rPr lang="fr-BE" dirty="0"/>
+                    <a:t>Base Entity</a:t>
+                  </a:r>
+                </a:p>
+              </p:txBody>
+            </p:sp>
+            <p:sp>
+              <p:nvSpPr>
+                <p:cNvPr id="58" name="Rectangle 57">
+                  <a:extLst>
+                    <a:ext uri="{FF2B5EF4-FFF2-40B4-BE49-F238E27FC236}">
+                      <a16:creationId xmlns:a16="http://schemas.microsoft.com/office/drawing/2014/main" id="{DA169B96-C6A9-2146-CB60-E98729723AA9}"/>
+                    </a:ext>
+                  </a:extLst>
+                </p:cNvPr>
+                <p:cNvSpPr/>
+                <p:nvPr/>
+              </p:nvSpPr>
+              <p:spPr>
+                <a:xfrm>
+                  <a:off x="1894840" y="5440007"/>
+                  <a:ext cx="1716962" cy="335526"/>
+                </a:xfrm>
+                <a:prstGeom prst="rect">
+                  <a:avLst/>
+                </a:prstGeom>
+              </p:spPr>
+              <p:style>
+                <a:lnRef idx="2">
+                  <a:schemeClr val="dk1"/>
+                </a:lnRef>
+                <a:fillRef idx="1">
+                  <a:schemeClr val="lt1"/>
+                </a:fillRef>
+                <a:effectRef idx="0">
+                  <a:schemeClr val="dk1"/>
+                </a:effectRef>
+                <a:fontRef idx="minor">
+                  <a:schemeClr val="dk1"/>
+                </a:fontRef>
+              </p:style>
+              <p:txBody>
+                <a:bodyPr rtlCol="0" anchor="ctr"/>
+                <a:lstStyle/>
+                <a:p>
+                  <a:pPr algn="ctr"/>
+                  <a:r>
+                    <a:rPr lang="fr-BE" dirty="0"/>
+                    <a:t>Base Event</a:t>
+                  </a:r>
+                </a:p>
+              </p:txBody>
+            </p:sp>
+          </p:grpSp>
+          <p:grpSp>
+            <p:nvGrpSpPr>
+              <p:cNvPr id="1043" name="Groupe 1042">
+                <a:extLst>
+                  <a:ext uri="{FF2B5EF4-FFF2-40B4-BE49-F238E27FC236}">
+                    <a16:creationId xmlns:a16="http://schemas.microsoft.com/office/drawing/2014/main" id="{57AF50A4-A1CC-0A6F-48EE-FEAF6B2DC1B6}"/>
+                  </a:ext>
+                </a:extLst>
+              </p:cNvPr>
+              <p:cNvGrpSpPr/>
+              <p:nvPr/>
+            </p:nvGrpSpPr>
+            <p:grpSpPr>
+              <a:xfrm>
+                <a:off x="2353952" y="4216834"/>
+                <a:ext cx="2807421" cy="1580532"/>
+                <a:chOff x="4360295" y="4284417"/>
+                <a:chExt cx="2807421" cy="1580532"/>
+              </a:xfrm>
+            </p:grpSpPr>
+            <p:sp>
+              <p:nvSpPr>
+                <p:cNvPr id="63" name="Rectangle 62">
+                  <a:extLst>
+                    <a:ext uri="{FF2B5EF4-FFF2-40B4-BE49-F238E27FC236}">
+                      <a16:creationId xmlns:a16="http://schemas.microsoft.com/office/drawing/2014/main" id="{2F0C7234-8F05-5A20-1498-7BC17D09F875}"/>
+                    </a:ext>
+                  </a:extLst>
+                </p:cNvPr>
+                <p:cNvSpPr/>
+                <p:nvPr/>
+              </p:nvSpPr>
+              <p:spPr>
+                <a:xfrm>
+                  <a:off x="4360295" y="4284417"/>
+                  <a:ext cx="2807421" cy="1580532"/>
+                </a:xfrm>
+                <a:prstGeom prst="rect">
+                  <a:avLst/>
+                </a:prstGeom>
+                <a:solidFill>
+                  <a:srgbClr val="FFC000"/>
+                </a:solidFill>
+              </p:spPr>
+              <p:style>
+                <a:lnRef idx="2">
+                  <a:schemeClr val="dk1"/>
+                </a:lnRef>
+                <a:fillRef idx="1">
+                  <a:schemeClr val="lt1"/>
+                </a:fillRef>
+                <a:effectRef idx="0">
+                  <a:schemeClr val="dk1"/>
+                </a:effectRef>
+                <a:fontRef idx="minor">
+                  <a:schemeClr val="dk1"/>
+                </a:fontRef>
+              </p:style>
+              <p:txBody>
+                <a:bodyPr rtlCol="0" anchor="ctr"/>
+                <a:lstStyle/>
+                <a:p>
+                  <a:pPr algn="ctr"/>
+                  <a:endParaRPr lang="fr-BE" b="1" dirty="0">
+                    <a:solidFill>
+                      <a:schemeClr val="bg1"/>
+                    </a:solidFill>
+                  </a:endParaRPr>
+                </a:p>
+                <a:p>
+                  <a:pPr algn="ctr"/>
+                  <a:r>
+                    <a:rPr lang="fr-BE" b="1" dirty="0">
+                      <a:solidFill>
+                        <a:schemeClr val="bg1"/>
+                      </a:solidFill>
+                    </a:rPr>
+                    <a:t>                         </a:t>
+                  </a:r>
+                </a:p>
+                <a:p>
+                  <a:pPr algn="ctr"/>
+                  <a:r>
+                    <a:rPr lang="fr-BE" sz="1600" b="1" dirty="0">
+                      <a:solidFill>
+                        <a:schemeClr val="tx1"/>
+                      </a:solidFill>
+                    </a:rPr>
+                    <a:t>Domain</a:t>
+                  </a:r>
+                  <a:r>
+                    <a:rPr lang="fr-BE" b="1" dirty="0">
+                      <a:solidFill>
+                        <a:schemeClr val="tx1"/>
+                      </a:solidFill>
+                    </a:rPr>
+                    <a:t>.</a:t>
+                  </a:r>
+                  <a:r>
+                    <a:rPr lang="fr-BE" sz="1400" b="1" dirty="0">
+                      <a:solidFill>
+                        <a:schemeClr val="tx1"/>
+                      </a:solidFill>
+                    </a:rPr>
+                    <a:t>Entities</a:t>
+                  </a:r>
+                  <a:endParaRPr lang="fr-BE" b="1" dirty="0">
+                    <a:solidFill>
+                      <a:schemeClr val="tx1"/>
+                    </a:solidFill>
+                  </a:endParaRPr>
+                </a:p>
+                <a:p>
+                  <a:pPr algn="ctr"/>
+                  <a:endParaRPr lang="fr-BE" b="1" dirty="0">
+                    <a:solidFill>
+                      <a:schemeClr val="bg1"/>
+                    </a:solidFill>
+                  </a:endParaRPr>
+                </a:p>
+                <a:p>
+                  <a:pPr algn="ctr"/>
+                  <a:endParaRPr lang="fr-BE" b="1" dirty="0">
+                    <a:solidFill>
+                      <a:schemeClr val="bg1"/>
+                    </a:solidFill>
+                  </a:endParaRPr>
+                </a:p>
+                <a:p>
+                  <a:pPr algn="ctr"/>
+                  <a:endParaRPr lang="fr-BE" b="1" dirty="0">
+                    <a:solidFill>
+                      <a:schemeClr val="bg1"/>
+                    </a:solidFill>
+                  </a:endParaRPr>
+                </a:p>
+                <a:p>
+                  <a:pPr algn="ctr"/>
+                  <a:endParaRPr lang="fr-BE" b="1" dirty="0">
+                    <a:solidFill>
+                      <a:schemeClr val="bg1"/>
+                    </a:solidFill>
+                  </a:endParaRPr>
+                </a:p>
+                <a:p>
+                  <a:pPr algn="ctr"/>
+                  <a:endParaRPr lang="fr-BE" b="1" dirty="0">
+                    <a:solidFill>
+                      <a:schemeClr val="bg1"/>
+                    </a:solidFill>
+                  </a:endParaRPr>
+                </a:p>
+                <a:p>
+                  <a:pPr algn="ctr"/>
+                  <a:endParaRPr lang="fr-BE" b="1" dirty="0">
+                    <a:solidFill>
+                      <a:schemeClr val="bg1"/>
+                    </a:solidFill>
+                  </a:endParaRPr>
+                </a:p>
+              </p:txBody>
+            </p:sp>
+            <p:sp>
+              <p:nvSpPr>
+                <p:cNvPr id="1024" name="Rectangle 1023">
+                  <a:extLst>
+                    <a:ext uri="{FF2B5EF4-FFF2-40B4-BE49-F238E27FC236}">
+                      <a16:creationId xmlns:a16="http://schemas.microsoft.com/office/drawing/2014/main" id="{21202C89-8B57-C664-6C47-AB8AD1AB0869}"/>
+                    </a:ext>
+                  </a:extLst>
+                </p:cNvPr>
+                <p:cNvSpPr/>
+                <p:nvPr/>
+              </p:nvSpPr>
+              <p:spPr>
+                <a:xfrm>
+                  <a:off x="4401264" y="4673799"/>
+                  <a:ext cx="1297385" cy="333301"/>
+                </a:xfrm>
+                <a:prstGeom prst="rect">
+                  <a:avLst/>
+                </a:prstGeom>
+                <a:solidFill>
+                  <a:schemeClr val="bg1"/>
+                </a:solidFill>
+              </p:spPr>
+              <p:style>
+                <a:lnRef idx="2">
+                  <a:schemeClr val="dk1"/>
+                </a:lnRef>
+                <a:fillRef idx="1">
+                  <a:schemeClr val="lt1"/>
+                </a:fillRef>
+                <a:effectRef idx="0">
+                  <a:schemeClr val="dk1"/>
+                </a:effectRef>
+                <a:fontRef idx="minor">
+                  <a:schemeClr val="dk1"/>
+                </a:fontRef>
+              </p:style>
+              <p:txBody>
+                <a:bodyPr rtlCol="0" anchor="ctr"/>
+                <a:lstStyle/>
+                <a:p>
+                  <a:pPr algn="ctr"/>
+                  <a:r>
+                    <a:rPr lang="fr-BE" dirty="0"/>
+                    <a:t>Task</a:t>
+                  </a:r>
+                </a:p>
+              </p:txBody>
+            </p:sp>
+            <p:sp>
+              <p:nvSpPr>
+                <p:cNvPr id="1025" name="Rectangle 1024">
+                  <a:extLst>
+                    <a:ext uri="{FF2B5EF4-FFF2-40B4-BE49-F238E27FC236}">
+                      <a16:creationId xmlns:a16="http://schemas.microsoft.com/office/drawing/2014/main" id="{D56DFCD8-4D3F-91BA-5028-6EBF0E105315}"/>
+                    </a:ext>
+                  </a:extLst>
+                </p:cNvPr>
+                <p:cNvSpPr/>
+                <p:nvPr/>
+              </p:nvSpPr>
+              <p:spPr>
+                <a:xfrm>
+                  <a:off x="4401265" y="5058105"/>
+                  <a:ext cx="1297385" cy="335526"/>
+                </a:xfrm>
+                <a:prstGeom prst="rect">
+                  <a:avLst/>
+                </a:prstGeom>
+                <a:solidFill>
+                  <a:schemeClr val="bg1"/>
+                </a:solidFill>
+              </p:spPr>
+              <p:style>
+                <a:lnRef idx="2">
+                  <a:schemeClr val="dk1"/>
+                </a:lnRef>
+                <a:fillRef idx="1">
+                  <a:schemeClr val="lt1"/>
+                </a:fillRef>
+                <a:effectRef idx="0">
+                  <a:schemeClr val="dk1"/>
+                </a:effectRef>
+                <a:fontRef idx="minor">
+                  <a:schemeClr val="dk1"/>
+                </a:fontRef>
+              </p:style>
+              <p:txBody>
+                <a:bodyPr rtlCol="0" anchor="ctr"/>
+                <a:lstStyle/>
+                <a:p>
+                  <a:pPr algn="ctr"/>
+                  <a:r>
+                    <a:rPr lang="fr-BE" dirty="0"/>
+                    <a:t>Task Items</a:t>
+                  </a:r>
+                </a:p>
+              </p:txBody>
+            </p:sp>
+            <p:sp>
+              <p:nvSpPr>
+                <p:cNvPr id="1026" name="Rectangle 1025">
+                  <a:extLst>
+                    <a:ext uri="{FF2B5EF4-FFF2-40B4-BE49-F238E27FC236}">
+                      <a16:creationId xmlns:a16="http://schemas.microsoft.com/office/drawing/2014/main" id="{E9DE6BEF-201D-AFE2-2A74-38B6D978E3F4}"/>
+                    </a:ext>
+                  </a:extLst>
+                </p:cNvPr>
+                <p:cNvSpPr/>
+                <p:nvPr/>
+              </p:nvSpPr>
+              <p:spPr>
+                <a:xfrm>
+                  <a:off x="4401265" y="5437253"/>
+                  <a:ext cx="1297385" cy="335526"/>
+                </a:xfrm>
+                <a:prstGeom prst="rect">
+                  <a:avLst/>
+                </a:prstGeom>
+                <a:solidFill>
+                  <a:schemeClr val="bg1"/>
+                </a:solidFill>
+              </p:spPr>
+              <p:style>
+                <a:lnRef idx="2">
+                  <a:schemeClr val="dk1"/>
+                </a:lnRef>
+                <a:fillRef idx="1">
+                  <a:schemeClr val="lt1"/>
+                </a:fillRef>
+                <a:effectRef idx="0">
+                  <a:schemeClr val="dk1"/>
+                </a:effectRef>
+                <a:fontRef idx="minor">
+                  <a:schemeClr val="dk1"/>
+                </a:fontRef>
+              </p:style>
+              <p:txBody>
+                <a:bodyPr rtlCol="0" anchor="ctr"/>
+                <a:lstStyle/>
+                <a:p>
+                  <a:pPr algn="ctr"/>
+                  <a:r>
+                    <a:rPr lang="fr-BE" dirty="0"/>
+                    <a:t>Plant</a:t>
+                  </a:r>
+                </a:p>
+              </p:txBody>
+            </p:sp>
+            <p:sp>
+              <p:nvSpPr>
+                <p:cNvPr id="1029" name="Rectangle 1028">
+                  <a:extLst>
+                    <a:ext uri="{FF2B5EF4-FFF2-40B4-BE49-F238E27FC236}">
+                      <a16:creationId xmlns:a16="http://schemas.microsoft.com/office/drawing/2014/main" id="{CFAFE0AF-F9CB-37DD-3C7D-1D7E91D6DF2A}"/>
+                    </a:ext>
+                  </a:extLst>
+                </p:cNvPr>
+                <p:cNvSpPr/>
+                <p:nvPr/>
+              </p:nvSpPr>
+              <p:spPr>
+                <a:xfrm>
+                  <a:off x="5760829" y="5437253"/>
+                  <a:ext cx="1297385" cy="335526"/>
+                </a:xfrm>
+                <a:prstGeom prst="rect">
+                  <a:avLst/>
+                </a:prstGeom>
+                <a:solidFill>
+                  <a:schemeClr val="bg1"/>
+                </a:solidFill>
+              </p:spPr>
+              <p:style>
+                <a:lnRef idx="2">
+                  <a:schemeClr val="dk1"/>
+                </a:lnRef>
+                <a:fillRef idx="1">
+                  <a:schemeClr val="lt1"/>
+                </a:fillRef>
+                <a:effectRef idx="0">
+                  <a:schemeClr val="dk1"/>
+                </a:effectRef>
+                <a:fontRef idx="minor">
+                  <a:schemeClr val="dk1"/>
+                </a:fontRef>
+              </p:style>
+              <p:txBody>
+                <a:bodyPr rtlCol="0" anchor="ctr"/>
+                <a:lstStyle/>
+                <a:p>
+                  <a:pPr algn="ctr"/>
+                  <a:r>
+                    <a:rPr lang="fr-BE" dirty="0"/>
+                    <a:t>WorkArea</a:t>
+                  </a:r>
+                </a:p>
+              </p:txBody>
+            </p:sp>
+          </p:grpSp>
+          <p:grpSp>
+            <p:nvGrpSpPr>
+              <p:cNvPr id="1044" name="Groupe 1043">
+                <a:extLst>
+                  <a:ext uri="{FF2B5EF4-FFF2-40B4-BE49-F238E27FC236}">
+                    <a16:creationId xmlns:a16="http://schemas.microsoft.com/office/drawing/2014/main" id="{EDCF3E39-824C-9FBC-6E32-67A2496FC001}"/>
+                  </a:ext>
+                </a:extLst>
+              </p:cNvPr>
+              <p:cNvGrpSpPr/>
+              <p:nvPr/>
+            </p:nvGrpSpPr>
+            <p:grpSpPr>
+              <a:xfrm>
+                <a:off x="5255341" y="4225462"/>
+                <a:ext cx="2807421" cy="1580532"/>
+                <a:chOff x="7131572" y="4267839"/>
+                <a:chExt cx="2807421" cy="1580532"/>
+              </a:xfrm>
+            </p:grpSpPr>
+            <p:sp>
+              <p:nvSpPr>
+                <p:cNvPr id="1031" name="Rectangle 1030">
+                  <a:extLst>
+                    <a:ext uri="{FF2B5EF4-FFF2-40B4-BE49-F238E27FC236}">
+                      <a16:creationId xmlns:a16="http://schemas.microsoft.com/office/drawing/2014/main" id="{7D0F5929-1E27-C95F-13B5-24BCCB182443}"/>
+                    </a:ext>
+                  </a:extLst>
+                </p:cNvPr>
+                <p:cNvSpPr/>
+                <p:nvPr/>
+              </p:nvSpPr>
+              <p:spPr>
+                <a:xfrm>
+                  <a:off x="7131572" y="4267839"/>
+                  <a:ext cx="2807421" cy="1580532"/>
+                </a:xfrm>
+                <a:prstGeom prst="rect">
+                  <a:avLst/>
+                </a:prstGeom>
+                <a:solidFill>
+                  <a:srgbClr val="FFC000"/>
+                </a:solidFill>
+              </p:spPr>
+              <p:style>
+                <a:lnRef idx="2">
+                  <a:schemeClr val="dk1"/>
+                </a:lnRef>
+                <a:fillRef idx="1">
+                  <a:schemeClr val="lt1"/>
+                </a:fillRef>
+                <a:effectRef idx="0">
+                  <a:schemeClr val="dk1"/>
+                </a:effectRef>
+                <a:fontRef idx="minor">
+                  <a:schemeClr val="dk1"/>
+                </a:fontRef>
+              </p:style>
+              <p:txBody>
+                <a:bodyPr rtlCol="0" anchor="ctr"/>
+                <a:lstStyle/>
+                <a:p>
+                  <a:pPr algn="ctr"/>
+                  <a:endParaRPr lang="fr-BE" b="1" dirty="0">
+                    <a:solidFill>
+                      <a:schemeClr val="bg1"/>
+                    </a:solidFill>
+                  </a:endParaRPr>
+                </a:p>
+                <a:p>
+                  <a:pPr algn="ctr"/>
+                  <a:r>
+                    <a:rPr lang="fr-BE" sz="1600" b="1" dirty="0">
+                      <a:solidFill>
+                        <a:schemeClr val="tx1"/>
+                      </a:solidFill>
+                    </a:rPr>
+                    <a:t>Domain.Events</a:t>
+                  </a:r>
+                </a:p>
+                <a:p>
+                  <a:pPr algn="ctr"/>
+                  <a:endParaRPr lang="fr-BE" b="1" dirty="0">
+                    <a:solidFill>
+                      <a:schemeClr val="bg1"/>
+                    </a:solidFill>
+                  </a:endParaRPr>
+                </a:p>
+                <a:p>
+                  <a:pPr algn="ctr"/>
+                  <a:endParaRPr lang="fr-BE" b="1" dirty="0">
+                    <a:solidFill>
+                      <a:schemeClr val="bg1"/>
+                    </a:solidFill>
+                  </a:endParaRPr>
+                </a:p>
+                <a:p>
+                  <a:pPr algn="ctr"/>
+                  <a:endParaRPr lang="fr-BE" b="1" dirty="0">
+                    <a:solidFill>
+                      <a:schemeClr val="bg1"/>
+                    </a:solidFill>
+                  </a:endParaRPr>
+                </a:p>
+                <a:p>
+                  <a:pPr algn="ctr"/>
+                  <a:endParaRPr lang="fr-BE" b="1" dirty="0">
+                    <a:solidFill>
+                      <a:schemeClr val="bg1"/>
+                    </a:solidFill>
+                  </a:endParaRPr>
+                </a:p>
+                <a:p>
+                  <a:pPr algn="ctr"/>
+                  <a:endParaRPr lang="fr-BE" b="1" dirty="0">
+                    <a:solidFill>
+                      <a:schemeClr val="bg1"/>
+                    </a:solidFill>
+                  </a:endParaRPr>
+                </a:p>
+              </p:txBody>
+            </p:sp>
+            <p:sp>
+              <p:nvSpPr>
+                <p:cNvPr id="1033" name="Rectangle 1032">
+                  <a:extLst>
+                    <a:ext uri="{FF2B5EF4-FFF2-40B4-BE49-F238E27FC236}">
+                      <a16:creationId xmlns:a16="http://schemas.microsoft.com/office/drawing/2014/main" id="{DB12DF08-A409-AD57-F62B-713B55A12EF8}"/>
+                    </a:ext>
+                  </a:extLst>
+                </p:cNvPr>
+                <p:cNvSpPr/>
+                <p:nvPr/>
+              </p:nvSpPr>
+              <p:spPr>
+                <a:xfrm>
+                  <a:off x="7270864" y="4673799"/>
+                  <a:ext cx="1817639" cy="333301"/>
+                </a:xfrm>
+                <a:prstGeom prst="rect">
+                  <a:avLst/>
+                </a:prstGeom>
+                <a:solidFill>
+                  <a:schemeClr val="bg1"/>
+                </a:solidFill>
+              </p:spPr>
+              <p:style>
+                <a:lnRef idx="2">
+                  <a:schemeClr val="dk1"/>
+                </a:lnRef>
+                <a:fillRef idx="1">
+                  <a:schemeClr val="lt1"/>
+                </a:fillRef>
+                <a:effectRef idx="0">
+                  <a:schemeClr val="dk1"/>
+                </a:effectRef>
+                <a:fontRef idx="minor">
+                  <a:schemeClr val="dk1"/>
+                </a:fontRef>
+              </p:style>
+              <p:txBody>
+                <a:bodyPr rtlCol="0" anchor="ctr"/>
+                <a:lstStyle/>
+                <a:p>
+                  <a:pPr algn="ctr"/>
+                  <a:r>
+                    <a:rPr lang="fr-BE" dirty="0"/>
+                    <a:t>TaskCompleted</a:t>
+                  </a:r>
+                </a:p>
+              </p:txBody>
+            </p:sp>
+            <p:sp>
+              <p:nvSpPr>
+                <p:cNvPr id="1035" name="Rectangle 1034">
+                  <a:extLst>
+                    <a:ext uri="{FF2B5EF4-FFF2-40B4-BE49-F238E27FC236}">
+                      <a16:creationId xmlns:a16="http://schemas.microsoft.com/office/drawing/2014/main" id="{C9949875-79BD-E3D9-B03B-1B31B257A359}"/>
+                    </a:ext>
+                  </a:extLst>
+                </p:cNvPr>
+                <p:cNvSpPr/>
+                <p:nvPr/>
+              </p:nvSpPr>
+              <p:spPr>
+                <a:xfrm>
+                  <a:off x="7270864" y="5058105"/>
+                  <a:ext cx="1817638" cy="335526"/>
+                </a:xfrm>
+                <a:prstGeom prst="rect">
+                  <a:avLst/>
+                </a:prstGeom>
+                <a:solidFill>
+                  <a:schemeClr val="bg1"/>
+                </a:solidFill>
+              </p:spPr>
+              <p:style>
+                <a:lnRef idx="2">
+                  <a:schemeClr val="dk1"/>
+                </a:lnRef>
+                <a:fillRef idx="1">
+                  <a:schemeClr val="lt1"/>
+                </a:fillRef>
+                <a:effectRef idx="0">
+                  <a:schemeClr val="dk1"/>
+                </a:effectRef>
+                <a:fontRef idx="minor">
+                  <a:schemeClr val="dk1"/>
+                </a:fontRef>
+              </p:style>
+              <p:txBody>
+                <a:bodyPr rtlCol="0" anchor="ctr"/>
+                <a:lstStyle/>
+                <a:p>
+                  <a:pPr algn="ctr"/>
+                  <a:r>
+                    <a:rPr lang="fr-BE" dirty="0"/>
+                    <a:t>TaskCreated</a:t>
+                  </a:r>
+                </a:p>
+              </p:txBody>
+            </p:sp>
+            <p:sp>
+              <p:nvSpPr>
+                <p:cNvPr id="1037" name="Rectangle 1036">
+                  <a:extLst>
+                    <a:ext uri="{FF2B5EF4-FFF2-40B4-BE49-F238E27FC236}">
+                      <a16:creationId xmlns:a16="http://schemas.microsoft.com/office/drawing/2014/main" id="{D4B72FF3-5D09-3278-2B85-576E4C6EA480}"/>
+                    </a:ext>
+                  </a:extLst>
+                </p:cNvPr>
+                <p:cNvSpPr/>
+                <p:nvPr/>
+              </p:nvSpPr>
+              <p:spPr>
+                <a:xfrm>
+                  <a:off x="7270864" y="5437253"/>
+                  <a:ext cx="1817638" cy="335526"/>
+                </a:xfrm>
+                <a:prstGeom prst="rect">
+                  <a:avLst/>
+                </a:prstGeom>
+                <a:solidFill>
+                  <a:schemeClr val="bg1"/>
+                </a:solidFill>
+              </p:spPr>
+              <p:style>
+                <a:lnRef idx="2">
+                  <a:schemeClr val="dk1"/>
+                </a:lnRef>
+                <a:fillRef idx="1">
+                  <a:schemeClr val="lt1"/>
+                </a:fillRef>
+                <a:effectRef idx="0">
+                  <a:schemeClr val="dk1"/>
+                </a:effectRef>
+                <a:fontRef idx="minor">
+                  <a:schemeClr val="dk1"/>
+                </a:fontRef>
+              </p:style>
+              <p:txBody>
+                <a:bodyPr rtlCol="0" anchor="ctr"/>
+                <a:lstStyle/>
+                <a:p>
+                  <a:pPr algn="ctr"/>
+                  <a:r>
+                    <a:rPr lang="fr-BE" dirty="0"/>
+                    <a:t>TaskCancelled</a:t>
+                  </a:r>
+                </a:p>
+              </p:txBody>
+            </p:sp>
+          </p:grpSp>
+          <p:sp>
+            <p:nvSpPr>
+              <p:cNvPr id="1045" name="Rectangle 1044">
+                <a:extLst>
+                  <a:ext uri="{FF2B5EF4-FFF2-40B4-BE49-F238E27FC236}">
+                    <a16:creationId xmlns:a16="http://schemas.microsoft.com/office/drawing/2014/main" id="{A427E246-05AE-8F7F-B5D8-FCD6D9A7F728}"/>
+                  </a:ext>
+                </a:extLst>
+              </p:cNvPr>
+              <p:cNvSpPr/>
+              <p:nvPr/>
+            </p:nvSpPr>
+            <p:spPr>
+              <a:xfrm>
+                <a:off x="8234475" y="4235224"/>
+                <a:ext cx="1817639" cy="333301"/>
+              </a:xfrm>
+              <a:prstGeom prst="rect">
+                <a:avLst/>
+              </a:prstGeom>
+              <a:solidFill>
+                <a:schemeClr val="bg1"/>
+              </a:solidFill>
+            </p:spPr>
+            <p:style>
+              <a:lnRef idx="2">
+                <a:schemeClr val="dk1"/>
+              </a:lnRef>
+              <a:fillRef idx="1">
+                <a:schemeClr val="lt1"/>
+              </a:fillRef>
+              <a:effectRef idx="0">
+                <a:schemeClr val="dk1"/>
+              </a:effectRef>
+              <a:fontRef idx="minor">
+                <a:schemeClr val="dk1"/>
+              </a:fontRef>
+            </p:style>
+            <p:txBody>
+              <a:bodyPr rtlCol="0" anchor="ctr"/>
+              <a:lstStyle/>
+              <a:p>
+                <a:pPr algn="ctr"/>
+                <a:r>
+                  <a:rPr lang="fr-BE" dirty="0"/>
+                  <a:t>Enums</a:t>
+                </a:r>
+              </a:p>
+            </p:txBody>
+          </p:sp>
+          <p:sp>
+            <p:nvSpPr>
+              <p:cNvPr id="1046" name="Rectangle 1045">
+                <a:extLst>
+                  <a:ext uri="{FF2B5EF4-FFF2-40B4-BE49-F238E27FC236}">
+                    <a16:creationId xmlns:a16="http://schemas.microsoft.com/office/drawing/2014/main" id="{BD665563-3DF0-0DCA-7E13-4CBB9968AF3B}"/>
+                  </a:ext>
+                </a:extLst>
+              </p:cNvPr>
+              <p:cNvSpPr/>
+              <p:nvPr/>
+            </p:nvSpPr>
+            <p:spPr>
+              <a:xfrm>
+                <a:off x="8228414" y="4673799"/>
+                <a:ext cx="1817639" cy="333301"/>
+              </a:xfrm>
+              <a:prstGeom prst="rect">
+                <a:avLst/>
+              </a:prstGeom>
+              <a:solidFill>
+                <a:schemeClr val="bg1"/>
+              </a:solidFill>
+            </p:spPr>
+            <p:style>
+              <a:lnRef idx="2">
+                <a:schemeClr val="dk1"/>
+              </a:lnRef>
+              <a:fillRef idx="1">
+                <a:schemeClr val="lt1"/>
+              </a:fillRef>
+              <a:effectRef idx="0">
+                <a:schemeClr val="dk1"/>
+              </a:effectRef>
+              <a:fontRef idx="minor">
+                <a:schemeClr val="dk1"/>
+              </a:fontRef>
+            </p:style>
+            <p:txBody>
+              <a:bodyPr rtlCol="0" anchor="ctr"/>
+              <a:lstStyle/>
+              <a:p>
+                <a:pPr algn="ctr"/>
+                <a:r>
+                  <a:rPr lang="fr-BE" dirty="0"/>
+                  <a:t>Values Objects</a:t>
+                </a:r>
+              </a:p>
+            </p:txBody>
+          </p:sp>
+          <p:sp>
+            <p:nvSpPr>
+              <p:cNvPr id="1047" name="Rectangle 1046">
+                <a:extLst>
+                  <a:ext uri="{FF2B5EF4-FFF2-40B4-BE49-F238E27FC236}">
+                    <a16:creationId xmlns:a16="http://schemas.microsoft.com/office/drawing/2014/main" id="{364F70DE-CCCB-F5CA-459C-E511A5BC2AFA}"/>
+                  </a:ext>
+                </a:extLst>
+              </p:cNvPr>
+              <p:cNvSpPr/>
+              <p:nvPr/>
+            </p:nvSpPr>
+            <p:spPr>
+              <a:xfrm>
+                <a:off x="8237444" y="5085149"/>
+                <a:ext cx="1817639" cy="333301"/>
+              </a:xfrm>
+              <a:prstGeom prst="rect">
+                <a:avLst/>
+              </a:prstGeom>
+              <a:solidFill>
+                <a:schemeClr val="bg1"/>
+              </a:solidFill>
+            </p:spPr>
+            <p:style>
+              <a:lnRef idx="2">
+                <a:schemeClr val="dk1"/>
+              </a:lnRef>
+              <a:fillRef idx="1">
+                <a:schemeClr val="lt1"/>
+              </a:fillRef>
+              <a:effectRef idx="0">
+                <a:schemeClr val="dk1"/>
+              </a:effectRef>
+              <a:fontRef idx="minor">
+                <a:schemeClr val="dk1"/>
+              </a:fontRef>
+            </p:style>
+            <p:txBody>
+              <a:bodyPr rtlCol="0" anchor="ctr"/>
+              <a:lstStyle/>
+              <a:p>
+                <a:pPr algn="ctr"/>
+                <a:r>
+                  <a:rPr lang="fr-BE" dirty="0"/>
+                  <a:t>Exceptions</a:t>
+                </a:r>
+              </a:p>
+            </p:txBody>
+          </p:sp>
+        </p:grpSp>
+        <p:sp>
+          <p:nvSpPr>
+            <p:cNvPr id="1061" name="Rectangle 1060">
+              <a:extLst>
+                <a:ext uri="{FF2B5EF4-FFF2-40B4-BE49-F238E27FC236}">
+                  <a16:creationId xmlns:a16="http://schemas.microsoft.com/office/drawing/2014/main" id="{F0AE8ED2-4964-245A-DA82-7CCC1C225AE6}"/>
+                </a:ext>
+              </a:extLst>
+            </p:cNvPr>
+            <p:cNvSpPr/>
+            <p:nvPr/>
+          </p:nvSpPr>
+          <p:spPr>
+            <a:xfrm>
+              <a:off x="274687" y="5351056"/>
+              <a:ext cx="2778557" cy="265591"/>
+            </a:xfrm>
+            <a:prstGeom prst="rect">
+              <a:avLst/>
+            </a:prstGeom>
+            <a:solidFill>
+              <a:schemeClr val="bg1"/>
+            </a:solidFill>
+          </p:spPr>
+          <p:style>
+            <a:lnRef idx="2">
+              <a:schemeClr val="dk1"/>
+            </a:lnRef>
+            <a:fillRef idx="1">
+              <a:schemeClr val="lt1"/>
+            </a:fillRef>
+            <a:effectRef idx="0">
+              <a:schemeClr val="dk1"/>
+            </a:effectRef>
+            <a:fontRef idx="minor">
+              <a:schemeClr val="dk1"/>
+            </a:fontRef>
+          </p:style>
+          <p:txBody>
+            <a:bodyPr rtlCol="0" anchor="ctr"/>
+            <a:lstStyle/>
+            <a:p>
+              <a:pPr algn="ctr"/>
+              <a:r>
+                <a:rPr lang="fr-BE" dirty="0"/>
+                <a:t>FlexiTaskDbContext</a:t>
+              </a:r>
+            </a:p>
+          </p:txBody>
+        </p:sp>
+        <p:sp>
+          <p:nvSpPr>
+            <p:cNvPr id="1063" name="Rectangle 1062">
+              <a:extLst>
+                <a:ext uri="{FF2B5EF4-FFF2-40B4-BE49-F238E27FC236}">
+                  <a16:creationId xmlns:a16="http://schemas.microsoft.com/office/drawing/2014/main" id="{86D8BEEC-C831-8260-34A2-36014D94A3C4}"/>
+                </a:ext>
+              </a:extLst>
+            </p:cNvPr>
+            <p:cNvSpPr/>
+            <p:nvPr/>
+          </p:nvSpPr>
+          <p:spPr>
+            <a:xfrm>
+              <a:off x="274688" y="5680202"/>
+              <a:ext cx="2761186" cy="850212"/>
+            </a:xfrm>
+            <a:prstGeom prst="rect">
+              <a:avLst/>
+            </a:prstGeom>
+            <a:solidFill>
+              <a:schemeClr val="accent3">
+                <a:lumMod val="20000"/>
+                <a:lumOff val="80000"/>
+              </a:schemeClr>
+            </a:solidFill>
+          </p:spPr>
+          <p:style>
+            <a:lnRef idx="2">
+              <a:schemeClr val="dk1"/>
+            </a:lnRef>
+            <a:fillRef idx="1">
+              <a:schemeClr val="lt1"/>
+            </a:fillRef>
+            <a:effectRef idx="0">
+              <a:schemeClr val="dk1"/>
+            </a:effectRef>
+            <a:fontRef idx="minor">
+              <a:schemeClr val="dk1"/>
+            </a:fontRef>
+          </p:style>
+          <p:txBody>
+            <a:bodyPr rtlCol="0" anchor="ctr"/>
+            <a:lstStyle/>
+            <a:p>
+              <a:pPr algn="ctr"/>
+              <a:r>
+                <a:rPr lang="fr-BE" dirty="0"/>
+                <a:t>Data.Configurations</a:t>
+              </a:r>
+            </a:p>
+            <a:p>
+              <a:pPr algn="ctr"/>
+              <a:endParaRPr lang="fr-BE" dirty="0"/>
+            </a:p>
+            <a:p>
+              <a:pPr algn="ctr"/>
+              <a:endParaRPr lang="fr-BE" dirty="0"/>
+            </a:p>
+          </p:txBody>
+        </p:sp>
+        <p:sp>
+          <p:nvSpPr>
+            <p:cNvPr id="1064" name="Rectangle 1063">
+              <a:extLst>
+                <a:ext uri="{FF2B5EF4-FFF2-40B4-BE49-F238E27FC236}">
+                  <a16:creationId xmlns:a16="http://schemas.microsoft.com/office/drawing/2014/main" id="{20DAEF9E-C265-8501-6134-E0A631AA641F}"/>
+                </a:ext>
+              </a:extLst>
+            </p:cNvPr>
+            <p:cNvSpPr/>
+            <p:nvPr/>
+          </p:nvSpPr>
+          <p:spPr>
+            <a:xfrm>
+              <a:off x="313477" y="5946393"/>
+              <a:ext cx="2521227" cy="265591"/>
+            </a:xfrm>
+            <a:prstGeom prst="rect">
+              <a:avLst/>
+            </a:prstGeom>
+            <a:solidFill>
+              <a:schemeClr val="bg1"/>
+            </a:solidFill>
+          </p:spPr>
+          <p:style>
+            <a:lnRef idx="2">
+              <a:schemeClr val="dk1"/>
+            </a:lnRef>
+            <a:fillRef idx="1">
+              <a:schemeClr val="lt1"/>
+            </a:fillRef>
+            <a:effectRef idx="0">
+              <a:schemeClr val="dk1"/>
+            </a:effectRef>
+            <a:fontRef idx="minor">
+              <a:schemeClr val="dk1"/>
+            </a:fontRef>
+          </p:style>
+          <p:txBody>
+            <a:bodyPr rtlCol="0" anchor="ctr"/>
+            <a:lstStyle/>
+            <a:p>
+              <a:pPr algn="ctr"/>
+              <a:r>
+                <a:rPr lang="fr-BE" dirty="0"/>
+                <a:t>PlantConfiguration</a:t>
+              </a:r>
+            </a:p>
+          </p:txBody>
+        </p:sp>
+        <p:sp>
+          <p:nvSpPr>
+            <p:cNvPr id="1065" name="Rectangle 1064">
+              <a:extLst>
+                <a:ext uri="{FF2B5EF4-FFF2-40B4-BE49-F238E27FC236}">
+                  <a16:creationId xmlns:a16="http://schemas.microsoft.com/office/drawing/2014/main" id="{4ECFF03B-D533-17BF-5551-5B9EC4A3A8F9}"/>
+                </a:ext>
+              </a:extLst>
+            </p:cNvPr>
+            <p:cNvSpPr/>
+            <p:nvPr/>
+          </p:nvSpPr>
+          <p:spPr>
+            <a:xfrm>
+              <a:off x="313477" y="6230469"/>
+              <a:ext cx="2521228" cy="265591"/>
+            </a:xfrm>
+            <a:prstGeom prst="rect">
+              <a:avLst/>
+            </a:prstGeom>
+            <a:solidFill>
+              <a:schemeClr val="bg1"/>
+            </a:solidFill>
+          </p:spPr>
+          <p:style>
+            <a:lnRef idx="2">
+              <a:schemeClr val="dk1"/>
+            </a:lnRef>
+            <a:fillRef idx="1">
+              <a:schemeClr val="lt1"/>
+            </a:fillRef>
+            <a:effectRef idx="0">
+              <a:schemeClr val="dk1"/>
+            </a:effectRef>
+            <a:fontRef idx="minor">
+              <a:schemeClr val="dk1"/>
+            </a:fontRef>
+          </p:style>
+          <p:txBody>
+            <a:bodyPr rtlCol="0" anchor="ctr"/>
+            <a:lstStyle/>
+            <a:p>
+              <a:pPr algn="ctr"/>
+              <a:r>
+                <a:rPr lang="fr-BE" dirty="0"/>
+                <a:t>WorkAreaConfiguration</a:t>
+              </a:r>
+            </a:p>
+          </p:txBody>
+        </p:sp>
+        <p:sp>
+          <p:nvSpPr>
+            <p:cNvPr id="1066" name="Rectangle 1065">
+              <a:extLst>
+                <a:ext uri="{FF2B5EF4-FFF2-40B4-BE49-F238E27FC236}">
+                  <a16:creationId xmlns:a16="http://schemas.microsoft.com/office/drawing/2014/main" id="{47652E44-737D-E38A-C1DF-3D56344C5179}"/>
+                </a:ext>
+              </a:extLst>
+            </p:cNvPr>
+            <p:cNvSpPr/>
+            <p:nvPr/>
+          </p:nvSpPr>
+          <p:spPr>
+            <a:xfrm>
+              <a:off x="3161886" y="5364326"/>
+              <a:ext cx="3961460" cy="1158967"/>
+            </a:xfrm>
+            <a:prstGeom prst="rect">
+              <a:avLst/>
+            </a:prstGeom>
+            <a:solidFill>
+              <a:schemeClr val="accent4">
+                <a:lumMod val="60000"/>
+                <a:lumOff val="40000"/>
+              </a:schemeClr>
+            </a:solidFill>
+          </p:spPr>
+          <p:style>
+            <a:lnRef idx="2">
+              <a:schemeClr val="dk1"/>
+            </a:lnRef>
+            <a:fillRef idx="1">
+              <a:schemeClr val="lt1"/>
+            </a:fillRef>
+            <a:effectRef idx="0">
+              <a:schemeClr val="dk1"/>
+            </a:effectRef>
+            <a:fontRef idx="minor">
+              <a:schemeClr val="dk1"/>
+            </a:fontRef>
+          </p:style>
+          <p:txBody>
+            <a:bodyPr rtlCol="0" anchor="ctr"/>
+            <a:lstStyle/>
+            <a:p>
+              <a:pPr algn="ctr"/>
+              <a:r>
+                <a:rPr lang="fr-BE" dirty="0"/>
+                <a:t>Data.Interceptors</a:t>
+              </a:r>
+            </a:p>
+            <a:p>
+              <a:pPr algn="ctr"/>
+              <a:endParaRPr lang="fr-BE" dirty="0"/>
+            </a:p>
+            <a:p>
+              <a:pPr algn="ctr"/>
+              <a:endParaRPr lang="fr-BE" dirty="0"/>
+            </a:p>
+            <a:p>
+              <a:pPr algn="ctr"/>
+              <a:endParaRPr lang="fr-BE" dirty="0"/>
+            </a:p>
+          </p:txBody>
+        </p:sp>
+        <p:sp>
+          <p:nvSpPr>
+            <p:cNvPr id="1067" name="Rectangle 1066">
+              <a:extLst>
+                <a:ext uri="{FF2B5EF4-FFF2-40B4-BE49-F238E27FC236}">
+                  <a16:creationId xmlns:a16="http://schemas.microsoft.com/office/drawing/2014/main" id="{ACC2A3E6-A2D3-1267-8107-B71639C5260A}"/>
+                </a:ext>
+              </a:extLst>
+            </p:cNvPr>
+            <p:cNvSpPr/>
+            <p:nvPr/>
+          </p:nvSpPr>
+          <p:spPr>
+            <a:xfrm>
+              <a:off x="3283528" y="5679323"/>
+              <a:ext cx="3718176" cy="265591"/>
+            </a:xfrm>
+            <a:prstGeom prst="rect">
+              <a:avLst/>
+            </a:prstGeom>
+            <a:solidFill>
+              <a:schemeClr val="bg1"/>
+            </a:solidFill>
+          </p:spPr>
+          <p:style>
+            <a:lnRef idx="2">
+              <a:schemeClr val="dk1"/>
+            </a:lnRef>
+            <a:fillRef idx="1">
+              <a:schemeClr val="lt1"/>
+            </a:fillRef>
+            <a:effectRef idx="0">
+              <a:schemeClr val="dk1"/>
+            </a:effectRef>
+            <a:fontRef idx="minor">
+              <a:schemeClr val="dk1"/>
+            </a:fontRef>
+          </p:style>
+          <p:txBody>
+            <a:bodyPr rtlCol="0" anchor="ctr"/>
+            <a:lstStyle/>
+            <a:p>
+              <a:pPr algn="ctr"/>
+              <a:r>
+                <a:rPr lang="fr-BE" dirty="0"/>
+                <a:t>AuditableEntityInterceptor</a:t>
+              </a:r>
+            </a:p>
+          </p:txBody>
+        </p:sp>
+        <p:sp>
+          <p:nvSpPr>
+            <p:cNvPr id="1068" name="Rectangle 1067">
+              <a:extLst>
+                <a:ext uri="{FF2B5EF4-FFF2-40B4-BE49-F238E27FC236}">
+                  <a16:creationId xmlns:a16="http://schemas.microsoft.com/office/drawing/2014/main" id="{E11720DE-FCAF-E45E-14A8-E9887A4F72D9}"/>
+                </a:ext>
+              </a:extLst>
+            </p:cNvPr>
+            <p:cNvSpPr/>
+            <p:nvPr/>
+          </p:nvSpPr>
+          <p:spPr>
+            <a:xfrm>
+              <a:off x="3283527" y="6008612"/>
+              <a:ext cx="3718177" cy="265591"/>
+            </a:xfrm>
+            <a:prstGeom prst="rect">
+              <a:avLst/>
+            </a:prstGeom>
+            <a:solidFill>
+              <a:schemeClr val="bg1"/>
+            </a:solidFill>
+          </p:spPr>
+          <p:style>
+            <a:lnRef idx="2">
+              <a:schemeClr val="dk1"/>
+            </a:lnRef>
+            <a:fillRef idx="1">
+              <a:schemeClr val="lt1"/>
+            </a:fillRef>
+            <a:effectRef idx="0">
+              <a:schemeClr val="dk1"/>
+            </a:effectRef>
+            <a:fontRef idx="minor">
+              <a:schemeClr val="dk1"/>
+            </a:fontRef>
+          </p:style>
+          <p:txBody>
+            <a:bodyPr rtlCol="0" anchor="ctr"/>
+            <a:lstStyle/>
+            <a:p>
+              <a:pPr algn="ctr"/>
+              <a:r>
+                <a:rPr lang="fr-BE" dirty="0"/>
+                <a:t>DispatchDomainEventsInterceptor</a:t>
+              </a:r>
+            </a:p>
+          </p:txBody>
+        </p:sp>
+        <p:sp>
+          <p:nvSpPr>
+            <p:cNvPr id="1069" name="Rectangle 1068">
+              <a:extLst>
+                <a:ext uri="{FF2B5EF4-FFF2-40B4-BE49-F238E27FC236}">
+                  <a16:creationId xmlns:a16="http://schemas.microsoft.com/office/drawing/2014/main" id="{159DEBAA-7672-9074-B6ED-494583E00B7B}"/>
+                </a:ext>
+              </a:extLst>
+            </p:cNvPr>
+            <p:cNvSpPr/>
+            <p:nvPr/>
+          </p:nvSpPr>
+          <p:spPr>
+            <a:xfrm>
+              <a:off x="7527225" y="5166353"/>
+              <a:ext cx="1981241" cy="1520198"/>
+            </a:xfrm>
+            <a:prstGeom prst="rect">
+              <a:avLst/>
+            </a:prstGeom>
+            <a:solidFill>
+              <a:schemeClr val="accent2">
+                <a:lumMod val="60000"/>
+                <a:lumOff val="40000"/>
+              </a:schemeClr>
+            </a:solidFill>
+          </p:spPr>
+          <p:style>
+            <a:lnRef idx="2">
+              <a:schemeClr val="dk1"/>
+            </a:lnRef>
+            <a:fillRef idx="1">
+              <a:schemeClr val="lt1"/>
+            </a:fillRef>
+            <a:effectRef idx="0">
+              <a:schemeClr val="dk1"/>
+            </a:effectRef>
+            <a:fontRef idx="minor">
+              <a:schemeClr val="dk1"/>
+            </a:fontRef>
+          </p:style>
+          <p:txBody>
+            <a:bodyPr rtlCol="0" anchor="ctr"/>
+            <a:lstStyle/>
+            <a:p>
+              <a:pPr algn="ctr"/>
+              <a:r>
+                <a:rPr lang="fr-BE" sz="1400" dirty="0"/>
+                <a:t>Infrastructure.Identity</a:t>
+              </a:r>
+              <a:endParaRPr lang="fr-BE" dirty="0"/>
+            </a:p>
+            <a:p>
+              <a:pPr algn="ctr"/>
+              <a:endParaRPr lang="fr-BE" dirty="0"/>
+            </a:p>
+            <a:p>
+              <a:pPr algn="ctr"/>
+              <a:endParaRPr lang="fr-BE" dirty="0"/>
+            </a:p>
+            <a:p>
+              <a:pPr algn="ctr"/>
+              <a:endParaRPr lang="fr-BE" dirty="0"/>
+            </a:p>
+            <a:p>
+              <a:pPr algn="ctr"/>
+              <a:endParaRPr lang="fr-BE" dirty="0"/>
+            </a:p>
+            <a:p>
+              <a:pPr algn="ctr"/>
+              <a:endParaRPr lang="fr-BE" dirty="0"/>
+            </a:p>
+          </p:txBody>
+        </p:sp>
+        <p:sp>
+          <p:nvSpPr>
+            <p:cNvPr id="1070" name="Rectangle 1069">
+              <a:extLst>
+                <a:ext uri="{FF2B5EF4-FFF2-40B4-BE49-F238E27FC236}">
+                  <a16:creationId xmlns:a16="http://schemas.microsoft.com/office/drawing/2014/main" id="{9ED604B7-6CA0-D503-D533-9D758D098F6B}"/>
+                </a:ext>
+              </a:extLst>
+            </p:cNvPr>
+            <p:cNvSpPr/>
+            <p:nvPr/>
+          </p:nvSpPr>
+          <p:spPr>
+            <a:xfrm>
+              <a:off x="7568145" y="5394296"/>
+              <a:ext cx="1845830" cy="265591"/>
+            </a:xfrm>
+            <a:prstGeom prst="rect">
+              <a:avLst/>
+            </a:prstGeom>
+            <a:solidFill>
+              <a:schemeClr val="bg1"/>
+            </a:solidFill>
+          </p:spPr>
+          <p:style>
+            <a:lnRef idx="2">
+              <a:schemeClr val="dk1"/>
+            </a:lnRef>
+            <a:fillRef idx="1">
+              <a:schemeClr val="lt1"/>
+            </a:fillRef>
+            <a:effectRef idx="0">
+              <a:schemeClr val="dk1"/>
+            </a:effectRef>
+            <a:fontRef idx="minor">
+              <a:schemeClr val="dk1"/>
+            </a:fontRef>
+          </p:style>
+          <p:txBody>
+            <a:bodyPr rtlCol="0" anchor="ctr"/>
+            <a:lstStyle/>
+            <a:p>
+              <a:pPr algn="ctr"/>
+              <a:r>
+                <a:rPr lang="fr-BE" dirty="0"/>
+                <a:t>ApplicationUser</a:t>
+              </a:r>
+            </a:p>
+          </p:txBody>
+        </p:sp>
+        <p:sp>
+          <p:nvSpPr>
+            <p:cNvPr id="1071" name="Rectangle 1070">
+              <a:extLst>
+                <a:ext uri="{FF2B5EF4-FFF2-40B4-BE49-F238E27FC236}">
+                  <a16:creationId xmlns:a16="http://schemas.microsoft.com/office/drawing/2014/main" id="{12AD0683-32FD-9FA8-B864-FE202AEDEFB6}"/>
+                </a:ext>
+              </a:extLst>
+            </p:cNvPr>
+            <p:cNvSpPr/>
+            <p:nvPr/>
+          </p:nvSpPr>
+          <p:spPr>
+            <a:xfrm>
+              <a:off x="7581145" y="5734126"/>
+              <a:ext cx="1845830" cy="265591"/>
+            </a:xfrm>
+            <a:prstGeom prst="rect">
+              <a:avLst/>
+            </a:prstGeom>
+            <a:solidFill>
+              <a:schemeClr val="bg1"/>
+            </a:solidFill>
+          </p:spPr>
+          <p:style>
+            <a:lnRef idx="2">
+              <a:schemeClr val="dk1"/>
+            </a:lnRef>
+            <a:fillRef idx="1">
+              <a:schemeClr val="lt1"/>
+            </a:fillRef>
+            <a:effectRef idx="0">
+              <a:schemeClr val="dk1"/>
+            </a:effectRef>
+            <a:fontRef idx="minor">
+              <a:schemeClr val="dk1"/>
+            </a:fontRef>
+          </p:style>
+          <p:txBody>
+            <a:bodyPr rtlCol="0" anchor="ctr"/>
+            <a:lstStyle/>
+            <a:p>
+              <a:pPr algn="ctr"/>
+              <a:r>
+                <a:rPr lang="fr-BE" dirty="0"/>
+                <a:t>IdentityServices</a:t>
+              </a:r>
+            </a:p>
+          </p:txBody>
+        </p:sp>
+        <p:sp>
+          <p:nvSpPr>
+            <p:cNvPr id="1072" name="Rectangle 1071">
+              <a:extLst>
+                <a:ext uri="{FF2B5EF4-FFF2-40B4-BE49-F238E27FC236}">
+                  <a16:creationId xmlns:a16="http://schemas.microsoft.com/office/drawing/2014/main" id="{2D695B24-7882-F75E-28D4-28C4C11D6D42}"/>
+                </a:ext>
+              </a:extLst>
+            </p:cNvPr>
+            <p:cNvSpPr/>
+            <p:nvPr/>
+          </p:nvSpPr>
+          <p:spPr>
+            <a:xfrm>
+              <a:off x="9635536" y="5152263"/>
+              <a:ext cx="2242987" cy="1520198"/>
+            </a:xfrm>
+            <a:prstGeom prst="rect">
+              <a:avLst/>
+            </a:prstGeom>
+            <a:solidFill>
+              <a:schemeClr val="accent5">
+                <a:lumMod val="60000"/>
+                <a:lumOff val="40000"/>
+              </a:schemeClr>
+            </a:solidFill>
+          </p:spPr>
+          <p:style>
+            <a:lnRef idx="2">
+              <a:schemeClr val="dk1"/>
+            </a:lnRef>
+            <a:fillRef idx="1">
+              <a:schemeClr val="lt1"/>
+            </a:fillRef>
+            <a:effectRef idx="0">
+              <a:schemeClr val="dk1"/>
+            </a:effectRef>
+            <a:fontRef idx="minor">
+              <a:schemeClr val="dk1"/>
+            </a:fontRef>
+          </p:style>
+          <p:txBody>
+            <a:bodyPr rtlCol="0" anchor="ctr"/>
+            <a:lstStyle/>
+            <a:p>
+              <a:pPr algn="ctr"/>
+              <a:r>
+                <a:rPr lang="fr-BE" sz="1200" dirty="0"/>
+                <a:t>Infrastructure.ExternalData</a:t>
+              </a:r>
+              <a:endParaRPr lang="fr-BE" dirty="0"/>
+            </a:p>
+            <a:p>
+              <a:pPr algn="ctr"/>
+              <a:endParaRPr lang="fr-BE" dirty="0"/>
+            </a:p>
+            <a:p>
+              <a:pPr algn="ctr"/>
+              <a:endParaRPr lang="fr-BE" dirty="0"/>
+            </a:p>
+            <a:p>
+              <a:pPr algn="ctr"/>
+              <a:endParaRPr lang="fr-BE" dirty="0"/>
+            </a:p>
+            <a:p>
+              <a:pPr algn="ctr"/>
+              <a:endParaRPr lang="fr-BE" dirty="0"/>
+            </a:p>
+            <a:p>
+              <a:pPr algn="ctr"/>
+              <a:endParaRPr lang="fr-BE" dirty="0"/>
+            </a:p>
+          </p:txBody>
+        </p:sp>
+        <p:sp>
+          <p:nvSpPr>
+            <p:cNvPr id="1075" name="Rectangle 1074">
+              <a:extLst>
+                <a:ext uri="{FF2B5EF4-FFF2-40B4-BE49-F238E27FC236}">
+                  <a16:creationId xmlns:a16="http://schemas.microsoft.com/office/drawing/2014/main" id="{DA2B2184-21ED-BD40-1249-8EA1422B3410}"/>
+                </a:ext>
+              </a:extLst>
+            </p:cNvPr>
+            <p:cNvSpPr/>
+            <p:nvPr/>
+          </p:nvSpPr>
+          <p:spPr>
+            <a:xfrm>
+              <a:off x="9703242" y="5383297"/>
+              <a:ext cx="1845830" cy="265591"/>
+            </a:xfrm>
+            <a:prstGeom prst="rect">
+              <a:avLst/>
+            </a:prstGeom>
+            <a:solidFill>
+              <a:schemeClr val="bg1"/>
+            </a:solidFill>
+          </p:spPr>
+          <p:style>
+            <a:lnRef idx="2">
+              <a:schemeClr val="dk1"/>
+            </a:lnRef>
+            <a:fillRef idx="1">
+              <a:schemeClr val="lt1"/>
+            </a:fillRef>
+            <a:effectRef idx="0">
+              <a:schemeClr val="dk1"/>
+            </a:effectRef>
+            <a:fontRef idx="minor">
+              <a:schemeClr val="dk1"/>
+            </a:fontRef>
+          </p:style>
+          <p:txBody>
+            <a:bodyPr rtlCol="0" anchor="ctr"/>
+            <a:lstStyle/>
+            <a:p>
+              <a:pPr algn="ctr"/>
+              <a:r>
+                <a:rPr lang="fr-BE" dirty="0"/>
+                <a:t>SapServices</a:t>
+              </a:r>
+            </a:p>
+          </p:txBody>
+        </p:sp>
+        <p:sp>
+          <p:nvSpPr>
+            <p:cNvPr id="1076" name="Rectangle 1075">
+              <a:extLst>
+                <a:ext uri="{FF2B5EF4-FFF2-40B4-BE49-F238E27FC236}">
+                  <a16:creationId xmlns:a16="http://schemas.microsoft.com/office/drawing/2014/main" id="{47908F01-A692-6ECD-9E2A-844665DABFAD}"/>
+                </a:ext>
+              </a:extLst>
+            </p:cNvPr>
+            <p:cNvSpPr/>
+            <p:nvPr/>
+          </p:nvSpPr>
+          <p:spPr>
+            <a:xfrm>
+              <a:off x="9616981" y="4481040"/>
+              <a:ext cx="2139422" cy="265591"/>
+            </a:xfrm>
+            <a:prstGeom prst="rect">
+              <a:avLst/>
+            </a:prstGeom>
+            <a:solidFill>
+              <a:schemeClr val="bg1"/>
+            </a:solidFill>
+          </p:spPr>
+          <p:style>
+            <a:lnRef idx="2">
+              <a:schemeClr val="dk1"/>
+            </a:lnRef>
+            <a:fillRef idx="1">
+              <a:schemeClr val="lt1"/>
+            </a:fillRef>
+            <a:effectRef idx="0">
+              <a:schemeClr val="dk1"/>
+            </a:effectRef>
+            <a:fontRef idx="minor">
+              <a:schemeClr val="dk1"/>
+            </a:fontRef>
+          </p:style>
+          <p:txBody>
+            <a:bodyPr rtlCol="0" anchor="ctr"/>
+            <a:lstStyle/>
+            <a:p>
+              <a:pPr algn="ctr"/>
+              <a:r>
+                <a:rPr lang="fr-BE" dirty="0"/>
+                <a:t>ServiceResult</a:t>
+              </a:r>
+            </a:p>
+          </p:txBody>
+        </p:sp>
+        <p:pic>
+          <p:nvPicPr>
+            <p:cNvPr id="1077" name="Picture 14" descr="Sap Bapi Rfc Command Reference - Vertical Png,Sap Logo Png - free  transparent png images - pngaaa.com">
+              <a:extLst>
+                <a:ext uri="{FF2B5EF4-FFF2-40B4-BE49-F238E27FC236}">
+                  <a16:creationId xmlns:a16="http://schemas.microsoft.com/office/drawing/2014/main" id="{03066CDA-613E-CE8C-6417-CF869967F05A}"/>
+                </a:ext>
+              </a:extLst>
+            </p:cNvPr>
+            <p:cNvPicPr>
+              <a:picLocks noChangeAspect="1" noChangeArrowheads="1"/>
+            </p:cNvPicPr>
+            <p:nvPr/>
+          </p:nvPicPr>
+          <p:blipFill>
+            <a:blip r:embed="rId3">
+              <a:extLst>
+                <a:ext uri="{28A0092B-C50C-407E-A947-70E740481C1C}">
+                  <a14:useLocalDpi xmlns:a14="http://schemas.microsoft.com/office/drawing/2010/main" val="0"/>
+                </a:ext>
+              </a:extLst>
+            </a:blip>
+            <a:srcRect/>
+            <a:stretch>
+              <a:fillRect/>
+            </a:stretch>
+          </p:blipFill>
+          <p:spPr bwMode="auto">
+            <a:xfrm>
+              <a:off x="10002324" y="5866921"/>
+              <a:ext cx="1368735" cy="525564"/>
+            </a:xfrm>
+            <a:prstGeom prst="rect">
+              <a:avLst/>
+            </a:prstGeom>
+            <a:noFill/>
+            <a:extLst>
+              <a:ext uri="{909E8E84-426E-40DD-AFC4-6F175D3DCCD1}">
+                <a14:hiddenFill xmlns:a14="http://schemas.microsoft.com/office/drawing/2010/main">
+                  <a:solidFill>
+                    <a:srgbClr val="FFFFFF"/>
+                  </a:solidFill>
+                </a14:hiddenFill>
+              </a:ext>
+            </a:extLst>
+          </p:spPr>
+        </p:pic>
+        <p:sp>
+          <p:nvSpPr>
+            <p:cNvPr id="25" name="Rectangle 24">
+              <a:extLst>
+                <a:ext uri="{FF2B5EF4-FFF2-40B4-BE49-F238E27FC236}">
+                  <a16:creationId xmlns:a16="http://schemas.microsoft.com/office/drawing/2014/main" id="{7A671467-5B15-E40F-CABC-2729C552C974}"/>
+                </a:ext>
+              </a:extLst>
+            </p:cNvPr>
+            <p:cNvSpPr/>
+            <p:nvPr/>
+          </p:nvSpPr>
+          <p:spPr>
+            <a:xfrm>
+              <a:off x="2239616" y="2706318"/>
+              <a:ext cx="1923999" cy="296725"/>
+            </a:xfrm>
+            <a:prstGeom prst="rect">
+              <a:avLst/>
+            </a:prstGeom>
+          </p:spPr>
+          <p:style>
+            <a:lnRef idx="2">
+              <a:schemeClr val="dk1"/>
+            </a:lnRef>
+            <a:fillRef idx="1">
+              <a:schemeClr val="lt1"/>
+            </a:fillRef>
+            <a:effectRef idx="0">
+              <a:schemeClr val="dk1"/>
+            </a:effectRef>
+            <a:fontRef idx="minor">
+              <a:schemeClr val="dk1"/>
+            </a:fontRef>
+          </p:style>
+          <p:txBody>
+            <a:bodyPr rtlCol="0" anchor="ctr"/>
+            <a:lstStyle/>
+            <a:p>
+              <a:pPr algn="ctr"/>
+              <a:r>
+                <a:rPr lang="fr-BE" dirty="0"/>
+                <a:t>Security</a:t>
+              </a:r>
+            </a:p>
+          </p:txBody>
+        </p:sp>
+      </p:grpSp>
+      <p:sp>
+        <p:nvSpPr>
+          <p:cNvPr id="1079" name="Rectangle 1078">
+            <a:extLst>
+              <a:ext uri="{FF2B5EF4-FFF2-40B4-BE49-F238E27FC236}">
+                <a16:creationId xmlns:a16="http://schemas.microsoft.com/office/drawing/2014/main" id="{5C3AE0FA-4AB8-8C79-0603-BD5E590E5DE4}"/>
+              </a:ext>
+            </a:extLst>
+          </p:cNvPr>
+          <p:cNvSpPr/>
+          <p:nvPr/>
+        </p:nvSpPr>
+        <p:spPr>
+          <a:xfrm>
+            <a:off x="9125851" y="2507335"/>
+            <a:ext cx="2122739" cy="191057"/>
+          </a:xfrm>
+          <a:prstGeom prst="rect">
+            <a:avLst/>
+          </a:prstGeom>
+        </p:spPr>
+        <p:style>
+          <a:lnRef idx="2">
+            <a:schemeClr val="dk1"/>
+          </a:lnRef>
+          <a:fillRef idx="1">
+            <a:schemeClr val="lt1"/>
+          </a:fillRef>
+          <a:effectRef idx="0">
+            <a:schemeClr val="dk1"/>
+          </a:effectRef>
+          <a:fontRef idx="minor">
+            <a:schemeClr val="dk1"/>
+          </a:fontRef>
+        </p:style>
+        <p:txBody>
+          <a:bodyPr rtlCol="0" anchor="ctr"/>
+          <a:lstStyle/>
+          <a:p>
+            <a:pPr algn="ctr"/>
+            <a:endParaRPr lang="fr-BE" dirty="0"/>
+          </a:p>
+          <a:p>
+            <a:pPr algn="ctr"/>
+            <a:r>
+              <a:rPr lang="fr-BE" dirty="0"/>
+              <a:t>GetTask</a:t>
+            </a:r>
+          </a:p>
+          <a:p>
+            <a:pPr algn="ctr"/>
+            <a:endParaRPr lang="fr-BE" dirty="0"/>
+          </a:p>
+        </p:txBody>
+      </p:sp>
+      <p:sp>
+        <p:nvSpPr>
+          <p:cNvPr id="1080" name="Rectangle 1079">
+            <a:extLst>
+              <a:ext uri="{FF2B5EF4-FFF2-40B4-BE49-F238E27FC236}">
+                <a16:creationId xmlns:a16="http://schemas.microsoft.com/office/drawing/2014/main" id="{1EEE0A41-0139-3BE3-2B73-95CD7DFC52A6}"/>
+              </a:ext>
+            </a:extLst>
+          </p:cNvPr>
+          <p:cNvSpPr/>
+          <p:nvPr/>
+        </p:nvSpPr>
+        <p:spPr>
+          <a:xfrm>
+            <a:off x="9125850" y="2739572"/>
+            <a:ext cx="2122739" cy="191057"/>
+          </a:xfrm>
+          <a:prstGeom prst="rect">
+            <a:avLst/>
+          </a:prstGeom>
+        </p:spPr>
+        <p:style>
+          <a:lnRef idx="2">
+            <a:schemeClr val="dk1"/>
+          </a:lnRef>
+          <a:fillRef idx="1">
+            <a:schemeClr val="lt1"/>
+          </a:fillRef>
+          <a:effectRef idx="0">
+            <a:schemeClr val="dk1"/>
+          </a:effectRef>
+          <a:fontRef idx="minor">
+            <a:schemeClr val="dk1"/>
+          </a:fontRef>
+        </p:style>
+        <p:txBody>
+          <a:bodyPr rtlCol="0" anchor="ctr"/>
+          <a:lstStyle/>
+          <a:p>
+            <a:pPr algn="ctr"/>
+            <a:endParaRPr lang="fr-BE" dirty="0"/>
+          </a:p>
+          <a:p>
+            <a:pPr algn="ctr"/>
+            <a:r>
+              <a:rPr lang="fr-BE" dirty="0"/>
+              <a:t>TaskDto</a:t>
+            </a:r>
+          </a:p>
+          <a:p>
+            <a:pPr algn="ctr"/>
+            <a:endParaRPr lang="fr-BE" dirty="0"/>
+          </a:p>
+        </p:txBody>
+      </p:sp>
+      <p:sp>
+        <p:nvSpPr>
+          <p:cNvPr id="1082" name="Rectangle 1081">
+            <a:extLst>
+              <a:ext uri="{FF2B5EF4-FFF2-40B4-BE49-F238E27FC236}">
+                <a16:creationId xmlns:a16="http://schemas.microsoft.com/office/drawing/2014/main" id="{20699414-FBDB-4826-DD9E-063B42B206E0}"/>
+              </a:ext>
+            </a:extLst>
+          </p:cNvPr>
+          <p:cNvSpPr/>
+          <p:nvPr/>
+        </p:nvSpPr>
+        <p:spPr>
+          <a:xfrm>
+            <a:off x="7074184" y="2491104"/>
+            <a:ext cx="1893751" cy="189650"/>
+          </a:xfrm>
+          <a:prstGeom prst="rect">
+            <a:avLst/>
+          </a:prstGeom>
+        </p:spPr>
+        <p:style>
+          <a:lnRef idx="2">
+            <a:schemeClr val="dk1"/>
+          </a:lnRef>
+          <a:fillRef idx="1">
+            <a:schemeClr val="lt1"/>
+          </a:fillRef>
+          <a:effectRef idx="0">
+            <a:schemeClr val="dk1"/>
+          </a:effectRef>
+          <a:fontRef idx="minor">
+            <a:schemeClr val="dk1"/>
+          </a:fontRef>
+        </p:style>
+        <p:txBody>
+          <a:bodyPr rtlCol="0" anchor="ctr"/>
+          <a:lstStyle/>
+          <a:p>
+            <a:pPr algn="ctr"/>
+            <a:endParaRPr lang="fr-BE" dirty="0"/>
+          </a:p>
+          <a:p>
+            <a:pPr algn="ctr"/>
+            <a:r>
+              <a:rPr lang="fr-BE" sz="1050" dirty="0"/>
+              <a:t>TaskCompletedEventHandler</a:t>
+            </a:r>
+            <a:endParaRPr lang="fr-BE" dirty="0"/>
+          </a:p>
+          <a:p>
+            <a:pPr algn="ctr"/>
+            <a:endParaRPr lang="fr-BE" dirty="0"/>
+          </a:p>
+        </p:txBody>
+      </p:sp>
+      <p:sp>
+        <p:nvSpPr>
+          <p:cNvPr id="1083" name="Rectangle 1082">
+            <a:extLst>
+              <a:ext uri="{FF2B5EF4-FFF2-40B4-BE49-F238E27FC236}">
+                <a16:creationId xmlns:a16="http://schemas.microsoft.com/office/drawing/2014/main" id="{EF8DA682-0302-4A9B-A7EA-3D34A309E945}"/>
+              </a:ext>
+            </a:extLst>
+          </p:cNvPr>
+          <p:cNvSpPr/>
+          <p:nvPr/>
+        </p:nvSpPr>
+        <p:spPr>
+          <a:xfrm>
+            <a:off x="4787429" y="2507335"/>
+            <a:ext cx="1994372" cy="184158"/>
+          </a:xfrm>
+          <a:prstGeom prst="rect">
+            <a:avLst/>
+          </a:prstGeom>
+        </p:spPr>
+        <p:style>
+          <a:lnRef idx="2">
+            <a:schemeClr val="dk1"/>
+          </a:lnRef>
+          <a:fillRef idx="1">
+            <a:schemeClr val="lt1"/>
+          </a:fillRef>
+          <a:effectRef idx="0">
+            <a:schemeClr val="dk1"/>
+          </a:effectRef>
+          <a:fontRef idx="minor">
+            <a:schemeClr val="dk1"/>
+          </a:fontRef>
+        </p:style>
+        <p:txBody>
+          <a:bodyPr rtlCol="0" anchor="ctr"/>
+          <a:lstStyle/>
+          <a:p>
+            <a:pPr algn="ctr"/>
+            <a:r>
+              <a:rPr lang="fr-BE" sz="1200" dirty="0"/>
+              <a:t>CreateTaskCommand</a:t>
+            </a:r>
+            <a:endParaRPr lang="fr-BE" dirty="0"/>
+          </a:p>
+        </p:txBody>
+      </p:sp>
+      <p:sp>
+        <p:nvSpPr>
+          <p:cNvPr id="1085" name="Rectangle 1084">
+            <a:extLst>
+              <a:ext uri="{FF2B5EF4-FFF2-40B4-BE49-F238E27FC236}">
+                <a16:creationId xmlns:a16="http://schemas.microsoft.com/office/drawing/2014/main" id="{737D31FE-69F4-4615-5163-260C5940F354}"/>
+              </a:ext>
+            </a:extLst>
+          </p:cNvPr>
+          <p:cNvSpPr/>
+          <p:nvPr/>
+        </p:nvSpPr>
+        <p:spPr>
+          <a:xfrm>
+            <a:off x="4787428" y="2776481"/>
+            <a:ext cx="1994373" cy="191225"/>
+          </a:xfrm>
+          <a:prstGeom prst="rect">
+            <a:avLst/>
+          </a:prstGeom>
+        </p:spPr>
+        <p:style>
+          <a:lnRef idx="2">
+            <a:schemeClr val="dk1"/>
+          </a:lnRef>
+          <a:fillRef idx="1">
+            <a:schemeClr val="lt1"/>
+          </a:fillRef>
+          <a:effectRef idx="0">
+            <a:schemeClr val="dk1"/>
+          </a:effectRef>
+          <a:fontRef idx="minor">
+            <a:schemeClr val="dk1"/>
+          </a:fontRef>
+        </p:style>
+        <p:txBody>
+          <a:bodyPr rtlCol="0" anchor="ctr"/>
+          <a:lstStyle/>
+          <a:p>
+            <a:pPr algn="ctr"/>
+            <a:r>
+              <a:rPr lang="fr-BE" sz="1200" dirty="0"/>
+              <a:t>CreateTaskValidator</a:t>
+            </a:r>
+            <a:endParaRPr lang="fr-BE" sz="1600" dirty="0"/>
+          </a:p>
+        </p:txBody>
+      </p:sp>
+      <p:sp>
+        <p:nvSpPr>
+          <p:cNvPr id="1086" name="Rectangle 1085">
+            <a:extLst>
+              <a:ext uri="{FF2B5EF4-FFF2-40B4-BE49-F238E27FC236}">
+                <a16:creationId xmlns:a16="http://schemas.microsoft.com/office/drawing/2014/main" id="{F888E096-4907-8084-7700-4D5567C72065}"/>
+              </a:ext>
+            </a:extLst>
+          </p:cNvPr>
+          <p:cNvSpPr/>
+          <p:nvPr/>
+        </p:nvSpPr>
+        <p:spPr>
+          <a:xfrm>
+            <a:off x="7074184" y="2717240"/>
+            <a:ext cx="1893751" cy="128146"/>
+          </a:xfrm>
+          <a:prstGeom prst="rect">
+            <a:avLst/>
+          </a:prstGeom>
+        </p:spPr>
+        <p:style>
+          <a:lnRef idx="2">
+            <a:schemeClr val="dk1"/>
+          </a:lnRef>
+          <a:fillRef idx="1">
+            <a:schemeClr val="lt1"/>
+          </a:fillRef>
+          <a:effectRef idx="0">
+            <a:schemeClr val="dk1"/>
+          </a:effectRef>
+          <a:fontRef idx="minor">
+            <a:schemeClr val="dk1"/>
+          </a:fontRef>
+        </p:style>
+        <p:txBody>
+          <a:bodyPr rtlCol="0" anchor="ctr"/>
+          <a:lstStyle/>
+          <a:p>
+            <a:pPr algn="ctr"/>
+            <a:endParaRPr lang="fr-BE" dirty="0"/>
+          </a:p>
+          <a:p>
+            <a:pPr algn="ctr"/>
+            <a:r>
+              <a:rPr lang="fr-BE" sz="1050" dirty="0"/>
+              <a:t>TaskCreatedEventHandler</a:t>
+            </a:r>
+            <a:endParaRPr lang="fr-BE" dirty="0"/>
+          </a:p>
+          <a:p>
+            <a:pPr algn="ctr"/>
+            <a:endParaRPr lang="fr-BE" dirty="0"/>
+          </a:p>
+        </p:txBody>
+      </p:sp>
+    </p:spTree>
+    <p:extLst>
+      <p:ext uri="{BB962C8B-B14F-4D97-AF65-F5344CB8AC3E}">
+        <p14:creationId xmlns:p14="http://schemas.microsoft.com/office/powerpoint/2010/main" val="3284644273"/>
+      </p:ext>
+    </p:extLst>
+  </p:cSld>
+  <p:clrMapOvr>
+    <a:masterClrMapping/>
+  </p:clrMapOvr>
+</p:sld>
+</file>
+
+<file path=ppt/slides/slide3.xml><?xml version="1.0" encoding="utf-8"?>
+<p:sld xmlns:a="http://schemas.openxmlformats.org/drawingml/2006/main" xmlns:r="http://schemas.openxmlformats.org/officeDocument/2006/relationships" xmlns:p="http://schemas.openxmlformats.org/presentationml/2006/main">
+  <p:cSld>
+    <p:bg>
+      <p:bgPr>
+        <a:solidFill>
+          <a:schemeClr val="bg1"/>
+        </a:solidFill>
+        <a:effectLst/>
+      </p:bgPr>
+    </p:bg>
+    <p:spTree>
+      <p:nvGrpSpPr>
+        <p:cNvPr id="1" name=""/>
+        <p:cNvGrpSpPr/>
+        <p:nvPr/>
+      </p:nvGrpSpPr>
+      <p:grpSpPr>
+        <a:xfrm>
+          <a:off x="0" y="0"/>
+          <a:ext cx="0" cy="0"/>
+          <a:chOff x="0" y="0"/>
+          <a:chExt cx="0" cy="0"/>
+        </a:xfrm>
+      </p:grpSpPr>
+      <p:sp>
+        <p:nvSpPr>
+          <p:cNvPr id="12" name="Rectangle 11">
+            <a:extLst>
+              <a:ext uri="{FF2B5EF4-FFF2-40B4-BE49-F238E27FC236}">
+                <a16:creationId xmlns:a16="http://schemas.microsoft.com/office/drawing/2014/main" id="{5F9CFCE6-877F-4858-B8BD-2C52CA8AFBC4}"/>
+              </a:ext>
+              <a:ext uri="{C183D7F6-B498-43B3-948B-1728B52AA6E4}">
+                <adec:decorative xmlns:adec="http://schemas.microsoft.com/office/drawing/2017/decorative" val="1"/>
+              </a:ext>
+            </a:extLst>
+          </p:cNvPr>
+          <p:cNvSpPr>
+            <a:spLocks noGrp="1" noRot="1" noChangeAspect="1" noMove="1" noResize="1" noEditPoints="1" noAdjustHandles="1" noChangeArrowheads="1" noChangeShapeType="1" noTextEdit="1"/>
+          </p:cNvSpPr>
+          <p:nvPr>
+            <p:extLst>
+              <p:ext uri="{386F3935-93C4-4BCD-93E2-E3B085C9AB24}">
+                <p16:designElem xmlns:p16="http://schemas.microsoft.com/office/powerpoint/2015/main" val="1"/>
+              </p:ext>
+            </p:extLst>
+          </p:nvPr>
+        </p:nvSpPr>
+        <p:spPr>
+          <a:xfrm>
+            <a:off x="0" y="0"/>
+            <a:ext cx="12192000" cy="6858000"/>
+          </a:xfrm>
+          <a:prstGeom prst="rect">
+            <a:avLst/>
+          </a:prstGeom>
+          <a:solidFill>
+            <a:srgbClr val="2E316B"/>
+          </a:solidFill>
+          <a:ln>
+            <a:noFill/>
+          </a:ln>
+        </p:spPr>
+        <p:style>
+          <a:lnRef idx="2">
+            <a:schemeClr val="accent1">
+              <a:shade val="50000"/>
+            </a:schemeClr>
+          </a:lnRef>
+          <a:fillRef idx="1">
+            <a:schemeClr val="accent1"/>
+          </a:fillRef>
+          <a:effectRef idx="0">
+            <a:schemeClr val="accent1"/>
+          </a:effectRef>
+          <a:fontRef idx="minor">
+            <a:schemeClr val="lt1"/>
+          </a:fontRef>
+        </p:style>
+        <p:txBody>
+          <a:bodyPr rtlCol="0" anchor="ctr"/>
+          <a:lstStyle/>
+          <a:p>
+            <a:pPr algn="ctr"/>
+            <a:endParaRPr lang="en-US"/>
+          </a:p>
+        </p:txBody>
+      </p:sp>
+      <p:sp>
+        <p:nvSpPr>
+          <p:cNvPr id="14" name="Rectangle 13">
+            <a:extLst>
+              <a:ext uri="{FF2B5EF4-FFF2-40B4-BE49-F238E27FC236}">
+                <a16:creationId xmlns:a16="http://schemas.microsoft.com/office/drawing/2014/main" id="{8213F8A0-12AE-4514-8372-0DD766EC28EE}"/>
+              </a:ext>
+              <a:ext uri="{C183D7F6-B498-43B3-948B-1728B52AA6E4}">
+                <adec:decorative xmlns:adec="http://schemas.microsoft.com/office/drawing/2017/decorative" val="1"/>
+              </a:ext>
+            </a:extLst>
+          </p:cNvPr>
+          <p:cNvSpPr>
+            <a:spLocks noGrp="1" noRot="1" noChangeAspect="1" noMove="1" noResize="1" noEditPoints="1" noAdjustHandles="1" noChangeArrowheads="1" noChangeShapeType="1" noTextEdit="1"/>
+          </p:cNvSpPr>
+          <p:nvPr>
+            <p:extLst>
+              <p:ext uri="{386F3935-93C4-4BCD-93E2-E3B085C9AB24}">
+                <p16:designElem xmlns:p16="http://schemas.microsoft.com/office/powerpoint/2015/main" val="1"/>
+              </p:ext>
+            </p:extLst>
+          </p:nvPr>
+        </p:nvSpPr>
+        <p:spPr>
+          <a:xfrm>
+            <a:off x="6256866" y="480060"/>
+            <a:ext cx="5458122" cy="5897880"/>
+          </a:xfrm>
+          <a:prstGeom prst="rect">
+            <a:avLst/>
+          </a:prstGeom>
+          <a:solidFill>
+            <a:srgbClr val="FFFFFF"/>
+          </a:solidFill>
+          <a:ln>
+            <a:noFill/>
+          </a:ln>
+        </p:spPr>
+        <p:style>
+          <a:lnRef idx="2">
+            <a:schemeClr val="accent1">
+              <a:shade val="50000"/>
+            </a:schemeClr>
+          </a:lnRef>
+          <a:fillRef idx="1">
+            <a:schemeClr val="accent1"/>
+          </a:fillRef>
+          <a:effectRef idx="0">
+            <a:schemeClr val="accent1"/>
+          </a:effectRef>
+          <a:fontRef idx="minor">
+            <a:schemeClr val="lt1"/>
+          </a:fontRef>
+        </p:style>
+        <p:txBody>
+          <a:bodyPr rtlCol="0" anchor="ctr"/>
+          <a:lstStyle/>
+          <a:p>
+            <a:pPr algn="ctr"/>
+            <a:endParaRPr lang="en-US"/>
+          </a:p>
+        </p:txBody>
+      </p:sp>
+      <p:pic>
+        <p:nvPicPr>
+          <p:cNvPr id="5" name="Image 4">
+            <a:extLst>
+              <a:ext uri="{FF2B5EF4-FFF2-40B4-BE49-F238E27FC236}">
+                <a16:creationId xmlns:a16="http://schemas.microsoft.com/office/drawing/2014/main" id="{9B44B58A-F477-BA0C-971C-5E852ACD8CA9}"/>
+              </a:ext>
+            </a:extLst>
+          </p:cNvPr>
+          <p:cNvPicPr>
+            <a:picLocks noChangeAspect="1"/>
+          </p:cNvPicPr>
+          <p:nvPr/>
+        </p:nvPicPr>
+        <p:blipFill>
+          <a:blip r:embed="rId2"/>
+          <a:stretch>
+            <a:fillRect/>
+          </a:stretch>
+        </p:blipFill>
+        <p:spPr>
+          <a:xfrm>
+            <a:off x="7809039" y="643467"/>
+            <a:ext cx="2353775" cy="5571066"/>
+          </a:xfrm>
+          <a:prstGeom prst="rect">
+            <a:avLst/>
+          </a:prstGeom>
+        </p:spPr>
+      </p:pic>
+      <p:sp>
+        <p:nvSpPr>
+          <p:cNvPr id="16" name="Rectangle 15">
+            <a:extLst>
+              <a:ext uri="{FF2B5EF4-FFF2-40B4-BE49-F238E27FC236}">
+                <a16:creationId xmlns:a16="http://schemas.microsoft.com/office/drawing/2014/main" id="{9EFF17D4-9A8C-4CE5-B096-D8CCD4400437}"/>
+              </a:ext>
+              <a:ext uri="{C183D7F6-B498-43B3-948B-1728B52AA6E4}">
+                <adec:decorative xmlns:adec="http://schemas.microsoft.com/office/drawing/2017/decorative" val="1"/>
+              </a:ext>
+            </a:extLst>
+          </p:cNvPr>
+          <p:cNvSpPr>
+            <a:spLocks noGrp="1" noRot="1" noChangeAspect="1" noMove="1" noResize="1" noEditPoints="1" noAdjustHandles="1" noChangeArrowheads="1" noChangeShapeType="1" noTextEdit="1"/>
+          </p:cNvSpPr>
+          <p:nvPr>
+            <p:extLst>
+              <p:ext uri="{386F3935-93C4-4BCD-93E2-E3B085C9AB24}">
+                <p16:designElem xmlns:p16="http://schemas.microsoft.com/office/powerpoint/2015/main" val="1"/>
+              </p:ext>
+            </p:extLst>
+          </p:nvPr>
+        </p:nvSpPr>
+        <p:spPr>
+          <a:xfrm>
+            <a:off x="477012" y="480060"/>
+            <a:ext cx="5458121" cy="5897880"/>
+          </a:xfrm>
+          <a:prstGeom prst="rect">
+            <a:avLst/>
+          </a:prstGeom>
+          <a:solidFill>
+            <a:srgbClr val="FFFFFF"/>
+          </a:solidFill>
+          <a:ln>
+            <a:noFill/>
+          </a:ln>
+        </p:spPr>
+        <p:style>
+          <a:lnRef idx="2">
+            <a:schemeClr val="accent1">
+              <a:shade val="50000"/>
+            </a:schemeClr>
+          </a:lnRef>
+          <a:fillRef idx="1">
+            <a:schemeClr val="accent1"/>
+          </a:fillRef>
+          <a:effectRef idx="0">
+            <a:schemeClr val="accent1"/>
+          </a:effectRef>
+          <a:fontRef idx="minor">
+            <a:schemeClr val="lt1"/>
+          </a:fontRef>
+        </p:style>
+        <p:txBody>
+          <a:bodyPr rtlCol="0" anchor="ctr"/>
+          <a:lstStyle/>
+          <a:p>
+            <a:pPr algn="ctr"/>
+            <a:endParaRPr lang="en-US"/>
+          </a:p>
+        </p:txBody>
+      </p:sp>
+      <p:pic>
+        <p:nvPicPr>
+          <p:cNvPr id="7" name="Image 6">
+            <a:extLst>
+              <a:ext uri="{FF2B5EF4-FFF2-40B4-BE49-F238E27FC236}">
+                <a16:creationId xmlns:a16="http://schemas.microsoft.com/office/drawing/2014/main" id="{D234E651-034E-3A8C-CEC4-C16FF0DBD6BF}"/>
+              </a:ext>
+            </a:extLst>
+          </p:cNvPr>
+          <p:cNvPicPr>
+            <a:picLocks noChangeAspect="1"/>
+          </p:cNvPicPr>
+          <p:nvPr/>
+        </p:nvPicPr>
+        <p:blipFill>
+          <a:blip r:embed="rId3"/>
+          <a:stretch>
+            <a:fillRect/>
+          </a:stretch>
+        </p:blipFill>
+        <p:spPr>
+          <a:xfrm>
+            <a:off x="1174585" y="643467"/>
+            <a:ext cx="4062974" cy="5571066"/>
+          </a:xfrm>
+          <a:prstGeom prst="rect">
+            <a:avLst/>
+          </a:prstGeom>
+        </p:spPr>
+      </p:pic>
+    </p:spTree>
+    <p:extLst>
+      <p:ext uri="{BB962C8B-B14F-4D97-AF65-F5344CB8AC3E}">
+        <p14:creationId xmlns:p14="http://schemas.microsoft.com/office/powerpoint/2010/main" val="708376870"/>
       </p:ext>
     </p:extLst>
   </p:cSld>
